--- a/paper/epistoch/figures/pics.pptx
+++ b/paper/epistoch/figures/pics.pptx
@@ -6,6 +6,7 @@
   </p:sldMasterIdLst>
   <p:sldIdLst>
     <p:sldId id="256" r:id="rId2"/>
+    <p:sldId id="257" r:id="rId3"/>
   </p:sldIdLst>
   <p:sldSz cx="12192000" cy="6858000"/>
   <p:notesSz cx="6858000" cy="9144000"/>
@@ -165,10 +166,9 @@
           </a:lstStyle>
           <a:p>
             <a:r>
-              <a:rPr lang="en-US" smtClean="0"/>
+              <a:rPr lang="en-US"/>
               <a:t>Click to edit Master title style</a:t>
             </a:r>
-            <a:endParaRPr lang="en-US"/>
           </a:p>
         </p:txBody>
       </p:sp>
@@ -230,10 +230,9 @@
           </a:lstStyle>
           <a:p>
             <a:r>
-              <a:rPr lang="en-US" smtClean="0"/>
+              <a:rPr lang="en-US"/>
               <a:t>Click to edit Master subtitle style</a:t>
             </a:r>
-            <a:endParaRPr lang="en-US"/>
           </a:p>
         </p:txBody>
       </p:sp>
@@ -254,7 +253,7 @@
           <a:p>
             <a:fld id="{CE7C4E48-16FB-42A7-9D0D-78038EA6348A}" type="datetimeFigureOut">
               <a:rPr lang="en-US" smtClean="0"/>
-              <a:t>4/27/2020</a:t>
+              <a:t>5/13/2020</a:t>
             </a:fld>
             <a:endParaRPr lang="en-US"/>
           </a:p>
@@ -348,10 +347,9 @@
           <a:lstStyle/>
           <a:p>
             <a:r>
-              <a:rPr lang="en-US" smtClean="0"/>
+              <a:rPr lang="en-US"/>
               <a:t>Click to edit Master title style</a:t>
             </a:r>
-            <a:endParaRPr lang="en-US"/>
           </a:p>
         </p:txBody>
       </p:sp>
@@ -372,38 +370,37 @@
           <a:p>
             <a:pPr lvl="0"/>
             <a:r>
-              <a:rPr lang="en-US" smtClean="0"/>
+              <a:rPr lang="en-US"/>
               <a:t>Click to edit Master text styles</a:t>
             </a:r>
           </a:p>
           <a:p>
             <a:pPr lvl="1"/>
             <a:r>
-              <a:rPr lang="en-US" smtClean="0"/>
+              <a:rPr lang="en-US"/>
               <a:t>Second level</a:t>
             </a:r>
           </a:p>
           <a:p>
             <a:pPr lvl="2"/>
             <a:r>
-              <a:rPr lang="en-US" smtClean="0"/>
+              <a:rPr lang="en-US"/>
               <a:t>Third level</a:t>
             </a:r>
           </a:p>
           <a:p>
             <a:pPr lvl="3"/>
             <a:r>
-              <a:rPr lang="en-US" smtClean="0"/>
+              <a:rPr lang="en-US"/>
               <a:t>Fourth level</a:t>
             </a:r>
           </a:p>
           <a:p>
             <a:pPr lvl="4"/>
             <a:r>
-              <a:rPr lang="en-US" smtClean="0"/>
+              <a:rPr lang="en-US"/>
               <a:t>Fifth level</a:t>
             </a:r>
-            <a:endParaRPr lang="en-US"/>
           </a:p>
         </p:txBody>
       </p:sp>
@@ -424,7 +421,7 @@
           <a:p>
             <a:fld id="{CE7C4E48-16FB-42A7-9D0D-78038EA6348A}" type="datetimeFigureOut">
               <a:rPr lang="en-US" smtClean="0"/>
-              <a:t>4/27/2020</a:t>
+              <a:t>5/13/2020</a:t>
             </a:fld>
             <a:endParaRPr lang="en-US"/>
           </a:p>
@@ -523,10 +520,9 @@
           <a:lstStyle/>
           <a:p>
             <a:r>
-              <a:rPr lang="en-US" smtClean="0"/>
+              <a:rPr lang="en-US"/>
               <a:t>Click to edit Master title style</a:t>
             </a:r>
-            <a:endParaRPr lang="en-US"/>
           </a:p>
         </p:txBody>
       </p:sp>
@@ -552,38 +548,37 @@
           <a:p>
             <a:pPr lvl="0"/>
             <a:r>
-              <a:rPr lang="en-US" smtClean="0"/>
+              <a:rPr lang="en-US"/>
               <a:t>Click to edit Master text styles</a:t>
             </a:r>
           </a:p>
           <a:p>
             <a:pPr lvl="1"/>
             <a:r>
-              <a:rPr lang="en-US" smtClean="0"/>
+              <a:rPr lang="en-US"/>
               <a:t>Second level</a:t>
             </a:r>
           </a:p>
           <a:p>
             <a:pPr lvl="2"/>
             <a:r>
-              <a:rPr lang="en-US" smtClean="0"/>
+              <a:rPr lang="en-US"/>
               <a:t>Third level</a:t>
             </a:r>
           </a:p>
           <a:p>
             <a:pPr lvl="3"/>
             <a:r>
-              <a:rPr lang="en-US" smtClean="0"/>
+              <a:rPr lang="en-US"/>
               <a:t>Fourth level</a:t>
             </a:r>
           </a:p>
           <a:p>
             <a:pPr lvl="4"/>
             <a:r>
-              <a:rPr lang="en-US" smtClean="0"/>
+              <a:rPr lang="en-US"/>
               <a:t>Fifth level</a:t>
             </a:r>
-            <a:endParaRPr lang="en-US"/>
           </a:p>
         </p:txBody>
       </p:sp>
@@ -604,7 +599,7 @@
           <a:p>
             <a:fld id="{CE7C4E48-16FB-42A7-9D0D-78038EA6348A}" type="datetimeFigureOut">
               <a:rPr lang="en-US" smtClean="0"/>
-              <a:t>4/27/2020</a:t>
+              <a:t>5/13/2020</a:t>
             </a:fld>
             <a:endParaRPr lang="en-US"/>
           </a:p>
@@ -698,10 +693,9 @@
           <a:lstStyle/>
           <a:p>
             <a:r>
-              <a:rPr lang="en-US" smtClean="0"/>
+              <a:rPr lang="en-US"/>
               <a:t>Click to edit Master title style</a:t>
             </a:r>
-            <a:endParaRPr lang="en-US"/>
           </a:p>
         </p:txBody>
       </p:sp>
@@ -722,38 +716,37 @@
           <a:p>
             <a:pPr lvl="0"/>
             <a:r>
-              <a:rPr lang="en-US" smtClean="0"/>
+              <a:rPr lang="en-US"/>
               <a:t>Click to edit Master text styles</a:t>
             </a:r>
           </a:p>
           <a:p>
             <a:pPr lvl="1"/>
             <a:r>
-              <a:rPr lang="en-US" smtClean="0"/>
+              <a:rPr lang="en-US"/>
               <a:t>Second level</a:t>
             </a:r>
           </a:p>
           <a:p>
             <a:pPr lvl="2"/>
             <a:r>
-              <a:rPr lang="en-US" smtClean="0"/>
+              <a:rPr lang="en-US"/>
               <a:t>Third level</a:t>
             </a:r>
           </a:p>
           <a:p>
             <a:pPr lvl="3"/>
             <a:r>
-              <a:rPr lang="en-US" smtClean="0"/>
+              <a:rPr lang="en-US"/>
               <a:t>Fourth level</a:t>
             </a:r>
           </a:p>
           <a:p>
             <a:pPr lvl="4"/>
             <a:r>
-              <a:rPr lang="en-US" smtClean="0"/>
+              <a:rPr lang="en-US"/>
               <a:t>Fifth level</a:t>
             </a:r>
-            <a:endParaRPr lang="en-US"/>
           </a:p>
         </p:txBody>
       </p:sp>
@@ -774,7 +767,7 @@
           <a:p>
             <a:fld id="{CE7C4E48-16FB-42A7-9D0D-78038EA6348A}" type="datetimeFigureOut">
               <a:rPr lang="en-US" smtClean="0"/>
-              <a:t>4/27/2020</a:t>
+              <a:t>5/13/2020</a:t>
             </a:fld>
             <a:endParaRPr lang="en-US"/>
           </a:p>
@@ -877,10 +870,9 @@
           </a:lstStyle>
           <a:p>
             <a:r>
-              <a:rPr lang="en-US" smtClean="0"/>
+              <a:rPr lang="en-US"/>
               <a:t>Click to edit Master title style</a:t>
             </a:r>
-            <a:endParaRPr lang="en-US"/>
           </a:p>
         </p:txBody>
       </p:sp>
@@ -997,7 +989,7 @@
           <a:p>
             <a:pPr lvl="0"/>
             <a:r>
-              <a:rPr lang="en-US" smtClean="0"/>
+              <a:rPr lang="en-US"/>
               <a:t>Click to edit Master text styles</a:t>
             </a:r>
           </a:p>
@@ -1020,7 +1012,7 @@
           <a:p>
             <a:fld id="{CE7C4E48-16FB-42A7-9D0D-78038EA6348A}" type="datetimeFigureOut">
               <a:rPr lang="en-US" smtClean="0"/>
-              <a:t>4/27/2020</a:t>
+              <a:t>5/13/2020</a:t>
             </a:fld>
             <a:endParaRPr lang="en-US"/>
           </a:p>
@@ -1114,10 +1106,9 @@
           <a:lstStyle/>
           <a:p>
             <a:r>
-              <a:rPr lang="en-US" smtClean="0"/>
+              <a:rPr lang="en-US"/>
               <a:t>Click to edit Master title style</a:t>
             </a:r>
-            <a:endParaRPr lang="en-US"/>
           </a:p>
         </p:txBody>
       </p:sp>
@@ -1143,38 +1134,37 @@
           <a:p>
             <a:pPr lvl="0"/>
             <a:r>
-              <a:rPr lang="en-US" smtClean="0"/>
+              <a:rPr lang="en-US"/>
               <a:t>Click to edit Master text styles</a:t>
             </a:r>
           </a:p>
           <a:p>
             <a:pPr lvl="1"/>
             <a:r>
-              <a:rPr lang="en-US" smtClean="0"/>
+              <a:rPr lang="en-US"/>
               <a:t>Second level</a:t>
             </a:r>
           </a:p>
           <a:p>
             <a:pPr lvl="2"/>
             <a:r>
-              <a:rPr lang="en-US" smtClean="0"/>
+              <a:rPr lang="en-US"/>
               <a:t>Third level</a:t>
             </a:r>
           </a:p>
           <a:p>
             <a:pPr lvl="3"/>
             <a:r>
-              <a:rPr lang="en-US" smtClean="0"/>
+              <a:rPr lang="en-US"/>
               <a:t>Fourth level</a:t>
             </a:r>
           </a:p>
           <a:p>
             <a:pPr lvl="4"/>
             <a:r>
-              <a:rPr lang="en-US" smtClean="0"/>
+              <a:rPr lang="en-US"/>
               <a:t>Fifth level</a:t>
             </a:r>
-            <a:endParaRPr lang="en-US"/>
           </a:p>
         </p:txBody>
       </p:sp>
@@ -1200,38 +1190,37 @@
           <a:p>
             <a:pPr lvl="0"/>
             <a:r>
-              <a:rPr lang="en-US" smtClean="0"/>
+              <a:rPr lang="en-US"/>
               <a:t>Click to edit Master text styles</a:t>
             </a:r>
           </a:p>
           <a:p>
             <a:pPr lvl="1"/>
             <a:r>
-              <a:rPr lang="en-US" smtClean="0"/>
+              <a:rPr lang="en-US"/>
               <a:t>Second level</a:t>
             </a:r>
           </a:p>
           <a:p>
             <a:pPr lvl="2"/>
             <a:r>
-              <a:rPr lang="en-US" smtClean="0"/>
+              <a:rPr lang="en-US"/>
               <a:t>Third level</a:t>
             </a:r>
           </a:p>
           <a:p>
             <a:pPr lvl="3"/>
             <a:r>
-              <a:rPr lang="en-US" smtClean="0"/>
+              <a:rPr lang="en-US"/>
               <a:t>Fourth level</a:t>
             </a:r>
           </a:p>
           <a:p>
             <a:pPr lvl="4"/>
             <a:r>
-              <a:rPr lang="en-US" smtClean="0"/>
+              <a:rPr lang="en-US"/>
               <a:t>Fifth level</a:t>
             </a:r>
-            <a:endParaRPr lang="en-US"/>
           </a:p>
         </p:txBody>
       </p:sp>
@@ -1252,7 +1241,7 @@
           <a:p>
             <a:fld id="{CE7C4E48-16FB-42A7-9D0D-78038EA6348A}" type="datetimeFigureOut">
               <a:rPr lang="en-US" smtClean="0"/>
-              <a:t>4/27/2020</a:t>
+              <a:t>5/13/2020</a:t>
             </a:fld>
             <a:endParaRPr lang="en-US"/>
           </a:p>
@@ -1351,10 +1340,9 @@
           <a:lstStyle/>
           <a:p>
             <a:r>
-              <a:rPr lang="en-US" smtClean="0"/>
+              <a:rPr lang="en-US"/>
               <a:t>Click to edit Master title style</a:t>
             </a:r>
-            <a:endParaRPr lang="en-US"/>
           </a:p>
         </p:txBody>
       </p:sp>
@@ -1417,7 +1405,7 @@
           <a:p>
             <a:pPr lvl="0"/>
             <a:r>
-              <a:rPr lang="en-US" smtClean="0"/>
+              <a:rPr lang="en-US"/>
               <a:t>Click to edit Master text styles</a:t>
             </a:r>
           </a:p>
@@ -1445,38 +1433,37 @@
           <a:p>
             <a:pPr lvl="0"/>
             <a:r>
-              <a:rPr lang="en-US" smtClean="0"/>
+              <a:rPr lang="en-US"/>
               <a:t>Click to edit Master text styles</a:t>
             </a:r>
           </a:p>
           <a:p>
             <a:pPr lvl="1"/>
             <a:r>
-              <a:rPr lang="en-US" smtClean="0"/>
+              <a:rPr lang="en-US"/>
               <a:t>Second level</a:t>
             </a:r>
           </a:p>
           <a:p>
             <a:pPr lvl="2"/>
             <a:r>
-              <a:rPr lang="en-US" smtClean="0"/>
+              <a:rPr lang="en-US"/>
               <a:t>Third level</a:t>
             </a:r>
           </a:p>
           <a:p>
             <a:pPr lvl="3"/>
             <a:r>
-              <a:rPr lang="en-US" smtClean="0"/>
+              <a:rPr lang="en-US"/>
               <a:t>Fourth level</a:t>
             </a:r>
           </a:p>
           <a:p>
             <a:pPr lvl="4"/>
             <a:r>
-              <a:rPr lang="en-US" smtClean="0"/>
+              <a:rPr lang="en-US"/>
               <a:t>Fifth level</a:t>
             </a:r>
-            <a:endParaRPr lang="en-US"/>
           </a:p>
         </p:txBody>
       </p:sp>
@@ -1539,7 +1526,7 @@
           <a:p>
             <a:pPr lvl="0"/>
             <a:r>
-              <a:rPr lang="en-US" smtClean="0"/>
+              <a:rPr lang="en-US"/>
               <a:t>Click to edit Master text styles</a:t>
             </a:r>
           </a:p>
@@ -1567,38 +1554,37 @@
           <a:p>
             <a:pPr lvl="0"/>
             <a:r>
-              <a:rPr lang="en-US" smtClean="0"/>
+              <a:rPr lang="en-US"/>
               <a:t>Click to edit Master text styles</a:t>
             </a:r>
           </a:p>
           <a:p>
             <a:pPr lvl="1"/>
             <a:r>
-              <a:rPr lang="en-US" smtClean="0"/>
+              <a:rPr lang="en-US"/>
               <a:t>Second level</a:t>
             </a:r>
           </a:p>
           <a:p>
             <a:pPr lvl="2"/>
             <a:r>
-              <a:rPr lang="en-US" smtClean="0"/>
+              <a:rPr lang="en-US"/>
               <a:t>Third level</a:t>
             </a:r>
           </a:p>
           <a:p>
             <a:pPr lvl="3"/>
             <a:r>
-              <a:rPr lang="en-US" smtClean="0"/>
+              <a:rPr lang="en-US"/>
               <a:t>Fourth level</a:t>
             </a:r>
           </a:p>
           <a:p>
             <a:pPr lvl="4"/>
             <a:r>
-              <a:rPr lang="en-US" smtClean="0"/>
+              <a:rPr lang="en-US"/>
               <a:t>Fifth level</a:t>
             </a:r>
-            <a:endParaRPr lang="en-US"/>
           </a:p>
         </p:txBody>
       </p:sp>
@@ -1619,7 +1605,7 @@
           <a:p>
             <a:fld id="{CE7C4E48-16FB-42A7-9D0D-78038EA6348A}" type="datetimeFigureOut">
               <a:rPr lang="en-US" smtClean="0"/>
-              <a:t>4/27/2020</a:t>
+              <a:t>5/13/2020</a:t>
             </a:fld>
             <a:endParaRPr lang="en-US"/>
           </a:p>
@@ -1713,10 +1699,9 @@
           <a:lstStyle/>
           <a:p>
             <a:r>
-              <a:rPr lang="en-US" smtClean="0"/>
+              <a:rPr lang="en-US"/>
               <a:t>Click to edit Master title style</a:t>
             </a:r>
-            <a:endParaRPr lang="en-US"/>
           </a:p>
         </p:txBody>
       </p:sp>
@@ -1737,7 +1722,7 @@
           <a:p>
             <a:fld id="{CE7C4E48-16FB-42A7-9D0D-78038EA6348A}" type="datetimeFigureOut">
               <a:rPr lang="en-US" smtClean="0"/>
-              <a:t>4/27/2020</a:t>
+              <a:t>5/13/2020</a:t>
             </a:fld>
             <a:endParaRPr lang="en-US"/>
           </a:p>
@@ -1832,7 +1817,7 @@
           <a:p>
             <a:fld id="{CE7C4E48-16FB-42A7-9D0D-78038EA6348A}" type="datetimeFigureOut">
               <a:rPr lang="en-US" smtClean="0"/>
-              <a:t>4/27/2020</a:t>
+              <a:t>5/13/2020</a:t>
             </a:fld>
             <a:endParaRPr lang="en-US"/>
           </a:p>
@@ -1935,10 +1920,9 @@
           </a:lstStyle>
           <a:p>
             <a:r>
-              <a:rPr lang="en-US" smtClean="0"/>
+              <a:rPr lang="en-US"/>
               <a:t>Click to edit Master title style</a:t>
             </a:r>
-            <a:endParaRPr lang="en-US"/>
           </a:p>
         </p:txBody>
       </p:sp>
@@ -1992,38 +1976,37 @@
           <a:p>
             <a:pPr lvl="0"/>
             <a:r>
-              <a:rPr lang="en-US" smtClean="0"/>
+              <a:rPr lang="en-US"/>
               <a:t>Click to edit Master text styles</a:t>
             </a:r>
           </a:p>
           <a:p>
             <a:pPr lvl="1"/>
             <a:r>
-              <a:rPr lang="en-US" smtClean="0"/>
+              <a:rPr lang="en-US"/>
               <a:t>Second level</a:t>
             </a:r>
           </a:p>
           <a:p>
             <a:pPr lvl="2"/>
             <a:r>
-              <a:rPr lang="en-US" smtClean="0"/>
+              <a:rPr lang="en-US"/>
               <a:t>Third level</a:t>
             </a:r>
           </a:p>
           <a:p>
             <a:pPr lvl="3"/>
             <a:r>
-              <a:rPr lang="en-US" smtClean="0"/>
+              <a:rPr lang="en-US"/>
               <a:t>Fourth level</a:t>
             </a:r>
           </a:p>
           <a:p>
             <a:pPr lvl="4"/>
             <a:r>
-              <a:rPr lang="en-US" smtClean="0"/>
+              <a:rPr lang="en-US"/>
               <a:t>Fifth level</a:t>
             </a:r>
-            <a:endParaRPr lang="en-US"/>
           </a:p>
         </p:txBody>
       </p:sp>
@@ -2086,7 +2069,7 @@
           <a:p>
             <a:pPr lvl="0"/>
             <a:r>
-              <a:rPr lang="en-US" smtClean="0"/>
+              <a:rPr lang="en-US"/>
               <a:t>Click to edit Master text styles</a:t>
             </a:r>
           </a:p>
@@ -2109,7 +2092,7 @@
           <a:p>
             <a:fld id="{CE7C4E48-16FB-42A7-9D0D-78038EA6348A}" type="datetimeFigureOut">
               <a:rPr lang="en-US" smtClean="0"/>
-              <a:t>4/27/2020</a:t>
+              <a:t>5/13/2020</a:t>
             </a:fld>
             <a:endParaRPr lang="en-US"/>
           </a:p>
@@ -2212,10 +2195,9 @@
           </a:lstStyle>
           <a:p>
             <a:r>
-              <a:rPr lang="en-US" smtClean="0"/>
+              <a:rPr lang="en-US"/>
               <a:t>Click to edit Master title style</a:t>
             </a:r>
-            <a:endParaRPr lang="en-US"/>
           </a:p>
         </p:txBody>
       </p:sp>
@@ -2339,7 +2321,7 @@
           <a:p>
             <a:pPr lvl="0"/>
             <a:r>
-              <a:rPr lang="en-US" smtClean="0"/>
+              <a:rPr lang="en-US"/>
               <a:t>Click to edit Master text styles</a:t>
             </a:r>
           </a:p>
@@ -2362,7 +2344,7 @@
           <a:p>
             <a:fld id="{CE7C4E48-16FB-42A7-9D0D-78038EA6348A}" type="datetimeFigureOut">
               <a:rPr lang="en-US" smtClean="0"/>
-              <a:t>4/27/2020</a:t>
+              <a:t>5/13/2020</a:t>
             </a:fld>
             <a:endParaRPr lang="en-US"/>
           </a:p>
@@ -2471,10 +2453,9 @@
           <a:lstStyle/>
           <a:p>
             <a:r>
-              <a:rPr lang="en-US" smtClean="0"/>
+              <a:rPr lang="en-US"/>
               <a:t>Click to edit Master title style</a:t>
             </a:r>
-            <a:endParaRPr lang="en-US"/>
           </a:p>
         </p:txBody>
       </p:sp>
@@ -2505,38 +2486,37 @@
           <a:p>
             <a:pPr lvl="0"/>
             <a:r>
-              <a:rPr lang="en-US" smtClean="0"/>
+              <a:rPr lang="en-US"/>
               <a:t>Click to edit Master text styles</a:t>
             </a:r>
           </a:p>
           <a:p>
             <a:pPr lvl="1"/>
             <a:r>
-              <a:rPr lang="en-US" smtClean="0"/>
+              <a:rPr lang="en-US"/>
               <a:t>Second level</a:t>
             </a:r>
           </a:p>
           <a:p>
             <a:pPr lvl="2"/>
             <a:r>
-              <a:rPr lang="en-US" smtClean="0"/>
+              <a:rPr lang="en-US"/>
               <a:t>Third level</a:t>
             </a:r>
           </a:p>
           <a:p>
             <a:pPr lvl="3"/>
             <a:r>
-              <a:rPr lang="en-US" smtClean="0"/>
+              <a:rPr lang="en-US"/>
               <a:t>Fourth level</a:t>
             </a:r>
           </a:p>
           <a:p>
             <a:pPr lvl="4"/>
             <a:r>
-              <a:rPr lang="en-US" smtClean="0"/>
+              <a:rPr lang="en-US"/>
               <a:t>Fifth level</a:t>
             </a:r>
-            <a:endParaRPr lang="en-US"/>
           </a:p>
         </p:txBody>
       </p:sp>
@@ -2575,7 +2555,7 @@
           <a:p>
             <a:fld id="{CE7C4E48-16FB-42A7-9D0D-78038EA6348A}" type="datetimeFigureOut">
               <a:rPr lang="en-US" smtClean="0"/>
-              <a:t>4/27/2020</a:t>
+              <a:t>5/13/2020</a:t>
             </a:fld>
             <a:endParaRPr lang="en-US"/>
           </a:p>
@@ -3277,8 +3257,8 @@
             </a:fontRef>
           </p:style>
         </p:cxnSp>
-        <mc:AlternateContent xmlns:mc="http://schemas.openxmlformats.org/markup-compatibility/2006">
-          <mc:Choice xmlns:a14="http://schemas.microsoft.com/office/drawing/2010/main" Requires="a14">
+        <mc:AlternateContent xmlns:mc="http://schemas.openxmlformats.org/markup-compatibility/2006" xmlns:a14="http://schemas.microsoft.com/office/drawing/2010/main">
+          <mc:Choice Requires="a14">
             <p:sp>
               <p:nvSpPr>
                 <p:cNvPr id="29" name="TextBox 28"/>
@@ -3340,7 +3320,7 @@
               </p:txBody>
             </p:sp>
           </mc:Choice>
-          <mc:Fallback>
+          <mc:Fallback xmlns="">
             <p:sp>
               <p:nvSpPr>
                 <p:cNvPr id="29" name="TextBox 28"/>
@@ -3379,8 +3359,8 @@
             </p:sp>
           </mc:Fallback>
         </mc:AlternateContent>
-        <mc:AlternateContent xmlns:mc="http://schemas.openxmlformats.org/markup-compatibility/2006">
-          <mc:Choice xmlns:a14="http://schemas.microsoft.com/office/drawing/2010/main" Requires="a14">
+        <mc:AlternateContent xmlns:mc="http://schemas.openxmlformats.org/markup-compatibility/2006" xmlns:a14="http://schemas.microsoft.com/office/drawing/2010/main">
+          <mc:Choice Requires="a14">
             <p:sp>
               <p:nvSpPr>
                 <p:cNvPr id="30" name="TextBox 29"/>
@@ -3424,7 +3404,7 @@
               </p:txBody>
             </p:sp>
           </mc:Choice>
-          <mc:Fallback>
+          <mc:Fallback xmlns="">
             <p:sp>
               <p:nvSpPr>
                 <p:cNvPr id="30" name="TextBox 29"/>
@@ -3463,8 +3443,8 @@
             </p:sp>
           </mc:Fallback>
         </mc:AlternateContent>
-        <mc:AlternateContent xmlns:mc="http://schemas.openxmlformats.org/markup-compatibility/2006">
-          <mc:Choice xmlns:a14="http://schemas.microsoft.com/office/drawing/2010/main" Requires="a14">
+        <mc:AlternateContent xmlns:mc="http://schemas.openxmlformats.org/markup-compatibility/2006" xmlns:a14="http://schemas.microsoft.com/office/drawing/2010/main">
+          <mc:Choice Requires="a14">
             <p:sp>
               <p:nvSpPr>
                 <p:cNvPr id="32" name="TextBox 31"/>
@@ -3528,7 +3508,7 @@
                       </m:oMath>
                     </m:oMathPara>
                   </a14:m>
-                  <a:endParaRPr lang="en-US" b="0" dirty="0" smtClean="0"/>
+                  <a:endParaRPr lang="en-US" b="0" dirty="0"/>
                 </a:p>
                 <a:p>
                   <a:endParaRPr lang="en-US" dirty="0"/>
@@ -3536,7 +3516,7 @@
               </p:txBody>
             </p:sp>
           </mc:Choice>
-          <mc:Fallback>
+          <mc:Fallback xmlns="">
             <p:sp>
               <p:nvSpPr>
                 <p:cNvPr id="32" name="TextBox 31"/>
@@ -3575,8 +3555,8 @@
             </p:sp>
           </mc:Fallback>
         </mc:AlternateContent>
-        <mc:AlternateContent xmlns:mc="http://schemas.openxmlformats.org/markup-compatibility/2006">
-          <mc:Choice xmlns:a14="http://schemas.microsoft.com/office/drawing/2010/main" Requires="a14">
+        <mc:AlternateContent xmlns:mc="http://schemas.openxmlformats.org/markup-compatibility/2006" xmlns:a14="http://schemas.microsoft.com/office/drawing/2010/main">
+          <mc:Choice Requires="a14">
             <p:sp>
               <p:nvSpPr>
                 <p:cNvPr id="36" name="TextBox 35"/>
@@ -3640,7 +3620,7 @@
                       </m:oMath>
                     </m:oMathPara>
                   </a14:m>
-                  <a:endParaRPr lang="en-US" b="0" dirty="0" smtClean="0"/>
+                  <a:endParaRPr lang="en-US" b="0" dirty="0"/>
                 </a:p>
                 <a:p>
                   <a:endParaRPr lang="en-US" dirty="0"/>
@@ -3648,7 +3628,7 @@
               </p:txBody>
             </p:sp>
           </mc:Choice>
-          <mc:Fallback>
+          <mc:Fallback xmlns="">
             <p:sp>
               <p:nvSpPr>
                 <p:cNvPr id="36" name="TextBox 35"/>
@@ -3687,8 +3667,8 @@
             </p:sp>
           </mc:Fallback>
         </mc:AlternateContent>
-        <mc:AlternateContent xmlns:mc="http://schemas.openxmlformats.org/markup-compatibility/2006">
-          <mc:Choice xmlns:a14="http://schemas.microsoft.com/office/drawing/2010/main" Requires="a14">
+        <mc:AlternateContent xmlns:mc="http://schemas.openxmlformats.org/markup-compatibility/2006" xmlns:a14="http://schemas.microsoft.com/office/drawing/2010/main">
+          <mc:Choice Requires="a14">
             <p:sp>
               <p:nvSpPr>
                 <p:cNvPr id="37" name="TextBox 36"/>
@@ -3752,7 +3732,7 @@
                       </m:oMath>
                     </m:oMathPara>
                   </a14:m>
-                  <a:endParaRPr lang="en-US" b="0" dirty="0" smtClean="0"/>
+                  <a:endParaRPr lang="en-US" b="0" dirty="0"/>
                 </a:p>
                 <a:p>
                   <a:endParaRPr lang="en-US" dirty="0"/>
@@ -3760,7 +3740,7 @@
               </p:txBody>
             </p:sp>
           </mc:Choice>
-          <mc:Fallback>
+          <mc:Fallback xmlns="">
             <p:sp>
               <p:nvSpPr>
                 <p:cNvPr id="37" name="TextBox 36"/>
@@ -3799,8 +3779,8 @@
             </p:sp>
           </mc:Fallback>
         </mc:AlternateContent>
-        <mc:AlternateContent xmlns:mc="http://schemas.openxmlformats.org/markup-compatibility/2006">
-          <mc:Choice xmlns:a14="http://schemas.microsoft.com/office/drawing/2010/main" Requires="a14">
+        <mc:AlternateContent xmlns:mc="http://schemas.openxmlformats.org/markup-compatibility/2006" xmlns:a14="http://schemas.microsoft.com/office/drawing/2010/main">
+          <mc:Choice Requires="a14">
             <p:sp>
               <p:nvSpPr>
                 <p:cNvPr id="38" name="TextBox 37"/>
@@ -3864,7 +3844,7 @@
                       </m:oMath>
                     </m:oMathPara>
                   </a14:m>
-                  <a:endParaRPr lang="en-US" b="0" dirty="0" smtClean="0"/>
+                  <a:endParaRPr lang="en-US" b="0" dirty="0"/>
                 </a:p>
                 <a:p>
                   <a:endParaRPr lang="en-US" dirty="0"/>
@@ -3872,7 +3852,7 @@
               </p:txBody>
             </p:sp>
           </mc:Choice>
-          <mc:Fallback>
+          <mc:Fallback xmlns="">
             <p:sp>
               <p:nvSpPr>
                 <p:cNvPr id="38" name="TextBox 37"/>
@@ -3911,8 +3891,8 @@
             </p:sp>
           </mc:Fallback>
         </mc:AlternateContent>
-        <mc:AlternateContent xmlns:mc="http://schemas.openxmlformats.org/markup-compatibility/2006">
-          <mc:Choice xmlns:a14="http://schemas.microsoft.com/office/drawing/2010/main" Requires="a14">
+        <mc:AlternateContent xmlns:mc="http://schemas.openxmlformats.org/markup-compatibility/2006" xmlns:a14="http://schemas.microsoft.com/office/drawing/2010/main">
+          <mc:Choice Requires="a14">
             <p:sp>
               <p:nvSpPr>
                 <p:cNvPr id="39" name="TextBox 38"/>
@@ -3976,7 +3956,7 @@
                       </m:oMath>
                     </m:oMathPara>
                   </a14:m>
-                  <a:endParaRPr lang="en-US" b="0" dirty="0" smtClean="0"/>
+                  <a:endParaRPr lang="en-US" b="0" dirty="0"/>
                 </a:p>
                 <a:p>
                   <a:endParaRPr lang="en-US" dirty="0"/>
@@ -3984,7 +3964,7 @@
               </p:txBody>
             </p:sp>
           </mc:Choice>
-          <mc:Fallback>
+          <mc:Fallback xmlns="">
             <p:sp>
               <p:nvSpPr>
                 <p:cNvPr id="39" name="TextBox 38"/>
@@ -4023,8 +4003,8 @@
             </p:sp>
           </mc:Fallback>
         </mc:AlternateContent>
-        <mc:AlternateContent xmlns:mc="http://schemas.openxmlformats.org/markup-compatibility/2006">
-          <mc:Choice xmlns:a14="http://schemas.microsoft.com/office/drawing/2010/main" Requires="a14">
+        <mc:AlternateContent xmlns:mc="http://schemas.openxmlformats.org/markup-compatibility/2006" xmlns:a14="http://schemas.microsoft.com/office/drawing/2010/main">
+          <mc:Choice Requires="a14">
             <p:sp>
               <p:nvSpPr>
                 <p:cNvPr id="40" name="TextBox 39"/>
@@ -4088,7 +4068,7 @@
                       </m:oMath>
                     </m:oMathPara>
                   </a14:m>
-                  <a:endParaRPr lang="en-US" b="0" dirty="0" smtClean="0"/>
+                  <a:endParaRPr lang="en-US" b="0" dirty="0"/>
                 </a:p>
                 <a:p>
                   <a:endParaRPr lang="en-US" dirty="0"/>
@@ -4096,7 +4076,7 @@
               </p:txBody>
             </p:sp>
           </mc:Choice>
-          <mc:Fallback>
+          <mc:Fallback xmlns="">
             <p:sp>
               <p:nvSpPr>
                 <p:cNvPr id="40" name="TextBox 39"/>
@@ -4135,8 +4115,8 @@
             </p:sp>
           </mc:Fallback>
         </mc:AlternateContent>
-        <mc:AlternateContent xmlns:mc="http://schemas.openxmlformats.org/markup-compatibility/2006">
-          <mc:Choice xmlns:a14="http://schemas.microsoft.com/office/drawing/2010/main" Requires="a14">
+        <mc:AlternateContent xmlns:mc="http://schemas.openxmlformats.org/markup-compatibility/2006" xmlns:a14="http://schemas.microsoft.com/office/drawing/2010/main">
+          <mc:Choice Requires="a14">
             <p:sp>
               <p:nvSpPr>
                 <p:cNvPr id="41" name="TextBox 40"/>
@@ -4200,7 +4180,7 @@
                       </m:oMath>
                     </m:oMathPara>
                   </a14:m>
-                  <a:endParaRPr lang="en-US" b="0" dirty="0" smtClean="0"/>
+                  <a:endParaRPr lang="en-US" b="0" dirty="0"/>
                 </a:p>
                 <a:p>
                   <a:endParaRPr lang="en-US" dirty="0"/>
@@ -4208,7 +4188,7 @@
               </p:txBody>
             </p:sp>
           </mc:Choice>
-          <mc:Fallback>
+          <mc:Fallback xmlns="">
             <p:sp>
               <p:nvSpPr>
                 <p:cNvPr id="41" name="TextBox 40"/>
@@ -4247,8 +4227,8 @@
             </p:sp>
           </mc:Fallback>
         </mc:AlternateContent>
-        <mc:AlternateContent xmlns:mc="http://schemas.openxmlformats.org/markup-compatibility/2006">
-          <mc:Choice xmlns:a14="http://schemas.microsoft.com/office/drawing/2010/main" Requires="a14">
+        <mc:AlternateContent xmlns:mc="http://schemas.openxmlformats.org/markup-compatibility/2006" xmlns:a14="http://schemas.microsoft.com/office/drawing/2010/main">
+          <mc:Choice Requires="a14">
             <p:sp>
               <p:nvSpPr>
                 <p:cNvPr id="42" name="TextBox 41"/>
@@ -4312,7 +4292,7 @@
                       </m:oMath>
                     </m:oMathPara>
                   </a14:m>
-                  <a:endParaRPr lang="en-US" b="0" dirty="0" smtClean="0"/>
+                  <a:endParaRPr lang="en-US" b="0" dirty="0"/>
                 </a:p>
                 <a:p>
                   <a:endParaRPr lang="en-US" dirty="0"/>
@@ -4320,7 +4300,7 @@
               </p:txBody>
             </p:sp>
           </mc:Choice>
-          <mc:Fallback>
+          <mc:Fallback xmlns="">
             <p:sp>
               <p:nvSpPr>
                 <p:cNvPr id="42" name="TextBox 41"/>
@@ -4425,8 +4405,8 @@
             </a:fontRef>
           </p:style>
         </p:cxnSp>
-        <mc:AlternateContent xmlns:mc="http://schemas.openxmlformats.org/markup-compatibility/2006">
-          <mc:Choice xmlns:a14="http://schemas.microsoft.com/office/drawing/2010/main" Requires="a14">
+        <mc:AlternateContent xmlns:mc="http://schemas.openxmlformats.org/markup-compatibility/2006" xmlns:a14="http://schemas.microsoft.com/office/drawing/2010/main">
+          <mc:Choice Requires="a14">
             <p:sp>
               <p:nvSpPr>
                 <p:cNvPr id="47" name="TextBox 46"/>
@@ -4490,7 +4470,7 @@
                       </m:oMath>
                     </m:oMathPara>
                   </a14:m>
-                  <a:endParaRPr lang="en-US" b="0" dirty="0" smtClean="0"/>
+                  <a:endParaRPr lang="en-US" b="0" dirty="0"/>
                 </a:p>
                 <a:p>
                   <a:endParaRPr lang="en-US" dirty="0"/>
@@ -4498,7 +4478,7 @@
               </p:txBody>
             </p:sp>
           </mc:Choice>
-          <mc:Fallback>
+          <mc:Fallback xmlns="">
             <p:sp>
               <p:nvSpPr>
                 <p:cNvPr id="47" name="TextBox 46"/>
@@ -4537,8 +4517,8 @@
             </p:sp>
           </mc:Fallback>
         </mc:AlternateContent>
-        <mc:AlternateContent xmlns:mc="http://schemas.openxmlformats.org/markup-compatibility/2006">
-          <mc:Choice xmlns:a14="http://schemas.microsoft.com/office/drawing/2010/main" Requires="a14">
+        <mc:AlternateContent xmlns:mc="http://schemas.openxmlformats.org/markup-compatibility/2006" xmlns:a14="http://schemas.microsoft.com/office/drawing/2010/main">
+          <mc:Choice Requires="a14">
             <p:sp>
               <p:nvSpPr>
                 <p:cNvPr id="48" name="TextBox 47"/>
@@ -4602,7 +4582,7 @@
                       </m:oMath>
                     </m:oMathPara>
                   </a14:m>
-                  <a:endParaRPr lang="en-US" b="0" dirty="0" smtClean="0"/>
+                  <a:endParaRPr lang="en-US" b="0" dirty="0"/>
                 </a:p>
                 <a:p>
                   <a:endParaRPr lang="en-US" dirty="0"/>
@@ -4610,7 +4590,7 @@
               </p:txBody>
             </p:sp>
           </mc:Choice>
-          <mc:Fallback>
+          <mc:Fallback xmlns="">
             <p:sp>
               <p:nvSpPr>
                 <p:cNvPr id="48" name="TextBox 47"/>
@@ -4649,8 +4629,8 @@
             </p:sp>
           </mc:Fallback>
         </mc:AlternateContent>
-        <mc:AlternateContent xmlns:mc="http://schemas.openxmlformats.org/markup-compatibility/2006">
-          <mc:Choice xmlns:a14="http://schemas.microsoft.com/office/drawing/2010/main" Requires="a14">
+        <mc:AlternateContent xmlns:mc="http://schemas.openxmlformats.org/markup-compatibility/2006" xmlns:a14="http://schemas.microsoft.com/office/drawing/2010/main">
+          <mc:Choice Requires="a14">
             <p:sp>
               <p:nvSpPr>
                 <p:cNvPr id="49" name="TextBox 48"/>
@@ -4714,7 +4694,7 @@
                       </m:oMath>
                     </m:oMathPara>
                   </a14:m>
-                  <a:endParaRPr lang="en-US" b="0" dirty="0" smtClean="0"/>
+                  <a:endParaRPr lang="en-US" b="0" dirty="0"/>
                 </a:p>
                 <a:p>
                   <a:endParaRPr lang="en-US" dirty="0"/>
@@ -4722,7 +4702,7 @@
               </p:txBody>
             </p:sp>
           </mc:Choice>
-          <mc:Fallback>
+          <mc:Fallback xmlns="">
             <p:sp>
               <p:nvSpPr>
                 <p:cNvPr id="49" name="TextBox 48"/>
@@ -4762,8 +4742,8 @@
           </mc:Fallback>
         </mc:AlternateContent>
       </p:grpSp>
-      <mc:AlternateContent xmlns:mc="http://schemas.openxmlformats.org/markup-compatibility/2006">
-        <mc:Choice xmlns:a14="http://schemas.microsoft.com/office/drawing/2010/main" Requires="a14">
+      <mc:AlternateContent xmlns:mc="http://schemas.openxmlformats.org/markup-compatibility/2006" xmlns:a14="http://schemas.microsoft.com/office/drawing/2010/main">
+        <mc:Choice Requires="a14">
           <p:sp>
             <p:nvSpPr>
               <p:cNvPr id="31" name="TextBox 30"/>
@@ -4827,7 +4807,7 @@
                     </m:oMath>
                   </m:oMathPara>
                 </a14:m>
-                <a:endParaRPr lang="en-US" b="0" dirty="0" smtClean="0"/>
+                <a:endParaRPr lang="en-US" b="0" dirty="0"/>
               </a:p>
               <a:p>
                 <a:endParaRPr lang="en-US" dirty="0"/>
@@ -4835,7 +4815,7 @@
             </p:txBody>
           </p:sp>
         </mc:Choice>
-        <mc:Fallback>
+        <mc:Fallback xmlns="">
           <p:sp>
             <p:nvSpPr>
               <p:cNvPr id="31" name="TextBox 30"/>
@@ -4874,8 +4854,8 @@
           </p:sp>
         </mc:Fallback>
       </mc:AlternateContent>
-      <mc:AlternateContent xmlns:mc="http://schemas.openxmlformats.org/markup-compatibility/2006">
-        <mc:Choice xmlns:a14="http://schemas.microsoft.com/office/drawing/2010/main" Requires="a14">
+      <mc:AlternateContent xmlns:mc="http://schemas.openxmlformats.org/markup-compatibility/2006" xmlns:a14="http://schemas.microsoft.com/office/drawing/2010/main">
+        <mc:Choice Requires="a14">
           <p:sp>
             <p:nvSpPr>
               <p:cNvPr id="44" name="TextBox 43"/>
@@ -4939,7 +4919,7 @@
                     </m:oMath>
                   </m:oMathPara>
                 </a14:m>
-                <a:endParaRPr lang="en-US" b="0" dirty="0" smtClean="0"/>
+                <a:endParaRPr lang="en-US" b="0" dirty="0"/>
               </a:p>
               <a:p>
                 <a:endParaRPr lang="en-US" dirty="0"/>
@@ -4947,7 +4927,7 @@
             </p:txBody>
           </p:sp>
         </mc:Choice>
-        <mc:Fallback>
+        <mc:Fallback xmlns="">
           <p:sp>
             <p:nvSpPr>
               <p:cNvPr id="44" name="TextBox 43"/>
@@ -4986,8 +4966,8 @@
           </p:sp>
         </mc:Fallback>
       </mc:AlternateContent>
-      <mc:AlternateContent xmlns:mc="http://schemas.openxmlformats.org/markup-compatibility/2006">
-        <mc:Choice xmlns:a14="http://schemas.microsoft.com/office/drawing/2010/main" Requires="a14">
+      <mc:AlternateContent xmlns:mc="http://schemas.openxmlformats.org/markup-compatibility/2006" xmlns:a14="http://schemas.microsoft.com/office/drawing/2010/main">
+        <mc:Choice Requires="a14">
           <p:sp>
             <p:nvSpPr>
               <p:cNvPr id="45" name="TextBox 44"/>
@@ -5051,7 +5031,7 @@
                     </m:oMath>
                   </m:oMathPara>
                 </a14:m>
-                <a:endParaRPr lang="en-US" b="0" dirty="0" smtClean="0"/>
+                <a:endParaRPr lang="en-US" b="0" dirty="0"/>
               </a:p>
               <a:p>
                 <a:endParaRPr lang="en-US" dirty="0"/>
@@ -5059,7 +5039,7 @@
             </p:txBody>
           </p:sp>
         </mc:Choice>
-        <mc:Fallback>
+        <mc:Fallback xmlns="">
           <p:sp>
             <p:nvSpPr>
               <p:cNvPr id="45" name="TextBox 44"/>
@@ -5254,6 +5234,2235 @@
     <p:extLst>
       <p:ext uri="{BB962C8B-B14F-4D97-AF65-F5344CB8AC3E}">
         <p14:creationId xmlns:p14="http://schemas.microsoft.com/office/powerpoint/2010/main" val="1798645258"/>
+      </p:ext>
+    </p:extLst>
+  </p:cSld>
+  <p:clrMapOvr>
+    <a:masterClrMapping/>
+  </p:clrMapOvr>
+</p:sld>
+</file>
+
+<file path=ppt/slides/slide2.xml><?xml version="1.0" encoding="utf-8"?>
+<p:sld xmlns:a="http://schemas.openxmlformats.org/drawingml/2006/main" xmlns:r="http://schemas.openxmlformats.org/officeDocument/2006/relationships" xmlns:p="http://schemas.openxmlformats.org/presentationml/2006/main">
+  <p:cSld>
+    <p:spTree>
+      <p:nvGrpSpPr>
+        <p:cNvPr id="1" name=""/>
+        <p:cNvGrpSpPr/>
+        <p:nvPr/>
+      </p:nvGrpSpPr>
+      <p:grpSpPr>
+        <a:xfrm>
+          <a:off x="0" y="0"/>
+          <a:ext cx="0" cy="0"/>
+          <a:chOff x="0" y="0"/>
+          <a:chExt cx="0" cy="0"/>
+        </a:xfrm>
+      </p:grpSpPr>
+      <p:sp>
+        <p:nvSpPr>
+          <p:cNvPr id="2" name="Rectangle 1">
+            <a:extLst>
+              <a:ext uri="{FF2B5EF4-FFF2-40B4-BE49-F238E27FC236}">
+                <a16:creationId xmlns:a16="http://schemas.microsoft.com/office/drawing/2014/main" id="{08C6F4D2-A83C-4D3A-B013-C38E9BFE69BA}"/>
+              </a:ext>
+            </a:extLst>
+          </p:cNvPr>
+          <p:cNvSpPr/>
+          <p:nvPr/>
+        </p:nvSpPr>
+        <p:spPr>
+          <a:xfrm>
+            <a:off x="1526797" y="2774657"/>
+            <a:ext cx="1979802" cy="1308683"/>
+          </a:xfrm>
+          <a:prstGeom prst="rect">
+            <a:avLst/>
+          </a:prstGeom>
+          <a:noFill/>
+          <a:ln>
+            <a:solidFill>
+              <a:srgbClr val="002060"/>
+            </a:solidFill>
+          </a:ln>
+        </p:spPr>
+        <p:style>
+          <a:lnRef idx="2">
+            <a:schemeClr val="accent1">
+              <a:shade val="50000"/>
+            </a:schemeClr>
+          </a:lnRef>
+          <a:fillRef idx="1">
+            <a:schemeClr val="accent1"/>
+          </a:fillRef>
+          <a:effectRef idx="0">
+            <a:schemeClr val="accent1"/>
+          </a:effectRef>
+          <a:fontRef idx="minor">
+            <a:schemeClr val="lt1"/>
+          </a:fontRef>
+        </p:style>
+        <p:txBody>
+          <a:bodyPr rtlCol="0" anchor="ctr"/>
+          <a:lstStyle/>
+          <a:p>
+            <a:pPr algn="ctr"/>
+            <a:endParaRPr lang="en-US"/>
+          </a:p>
+        </p:txBody>
+      </p:sp>
+      <p:sp>
+        <p:nvSpPr>
+          <p:cNvPr id="3" name="Rectangle 2">
+            <a:extLst>
+              <a:ext uri="{FF2B5EF4-FFF2-40B4-BE49-F238E27FC236}">
+                <a16:creationId xmlns:a16="http://schemas.microsoft.com/office/drawing/2014/main" id="{764E35BB-E029-4A3A-8F70-C1FC5B19BD1A}"/>
+              </a:ext>
+            </a:extLst>
+          </p:cNvPr>
+          <p:cNvSpPr/>
+          <p:nvPr/>
+        </p:nvSpPr>
+        <p:spPr>
+          <a:xfrm>
+            <a:off x="8331667" y="1709956"/>
+            <a:ext cx="1979802" cy="1308683"/>
+          </a:xfrm>
+          <a:prstGeom prst="rect">
+            <a:avLst/>
+          </a:prstGeom>
+          <a:noFill/>
+          <a:ln>
+            <a:solidFill>
+              <a:srgbClr val="002060"/>
+            </a:solidFill>
+          </a:ln>
+        </p:spPr>
+        <p:style>
+          <a:lnRef idx="2">
+            <a:schemeClr val="accent1">
+              <a:shade val="50000"/>
+            </a:schemeClr>
+          </a:lnRef>
+          <a:fillRef idx="1">
+            <a:schemeClr val="accent1"/>
+          </a:fillRef>
+          <a:effectRef idx="0">
+            <a:schemeClr val="accent1"/>
+          </a:effectRef>
+          <a:fontRef idx="minor">
+            <a:schemeClr val="lt1"/>
+          </a:fontRef>
+        </p:style>
+        <p:txBody>
+          <a:bodyPr rtlCol="0" anchor="ctr"/>
+          <a:lstStyle/>
+          <a:p>
+            <a:pPr algn="ctr"/>
+            <a:endParaRPr lang="en-US"/>
+          </a:p>
+        </p:txBody>
+      </p:sp>
+      <p:sp>
+        <p:nvSpPr>
+          <p:cNvPr id="4" name="Rectangle 3">
+            <a:extLst>
+              <a:ext uri="{FF2B5EF4-FFF2-40B4-BE49-F238E27FC236}">
+                <a16:creationId xmlns:a16="http://schemas.microsoft.com/office/drawing/2014/main" id="{BA2052CC-D108-4AEB-AAEB-7618FF2CF827}"/>
+              </a:ext>
+            </a:extLst>
+          </p:cNvPr>
+          <p:cNvSpPr/>
+          <p:nvPr/>
+        </p:nvSpPr>
+        <p:spPr>
+          <a:xfrm>
+            <a:off x="4929232" y="2774658"/>
+            <a:ext cx="1979802" cy="1308683"/>
+          </a:xfrm>
+          <a:prstGeom prst="rect">
+            <a:avLst/>
+          </a:prstGeom>
+          <a:noFill/>
+          <a:ln>
+            <a:solidFill>
+              <a:srgbClr val="002060"/>
+            </a:solidFill>
+          </a:ln>
+        </p:spPr>
+        <p:style>
+          <a:lnRef idx="2">
+            <a:schemeClr val="accent1">
+              <a:shade val="50000"/>
+            </a:schemeClr>
+          </a:lnRef>
+          <a:fillRef idx="1">
+            <a:schemeClr val="accent1"/>
+          </a:fillRef>
+          <a:effectRef idx="0">
+            <a:schemeClr val="accent1"/>
+          </a:effectRef>
+          <a:fontRef idx="minor">
+            <a:schemeClr val="lt1"/>
+          </a:fontRef>
+        </p:style>
+        <p:txBody>
+          <a:bodyPr rtlCol="0" anchor="ctr"/>
+          <a:lstStyle/>
+          <a:p>
+            <a:pPr algn="ctr"/>
+            <a:endParaRPr lang="en-US"/>
+          </a:p>
+        </p:txBody>
+      </p:sp>
+      <p:sp>
+        <p:nvSpPr>
+          <p:cNvPr id="5" name="Rectangle 4">
+            <a:extLst>
+              <a:ext uri="{FF2B5EF4-FFF2-40B4-BE49-F238E27FC236}">
+                <a16:creationId xmlns:a16="http://schemas.microsoft.com/office/drawing/2014/main" id="{E6B0717F-2A70-4C03-8E22-473B04CB0D8A}"/>
+              </a:ext>
+            </a:extLst>
+          </p:cNvPr>
+          <p:cNvSpPr/>
+          <p:nvPr/>
+        </p:nvSpPr>
+        <p:spPr>
+          <a:xfrm>
+            <a:off x="8331667" y="3839361"/>
+            <a:ext cx="1979802" cy="1308683"/>
+          </a:xfrm>
+          <a:prstGeom prst="rect">
+            <a:avLst/>
+          </a:prstGeom>
+          <a:noFill/>
+          <a:ln>
+            <a:solidFill>
+              <a:srgbClr val="002060"/>
+            </a:solidFill>
+          </a:ln>
+        </p:spPr>
+        <p:style>
+          <a:lnRef idx="2">
+            <a:schemeClr val="accent1">
+              <a:shade val="50000"/>
+            </a:schemeClr>
+          </a:lnRef>
+          <a:fillRef idx="1">
+            <a:schemeClr val="accent1"/>
+          </a:fillRef>
+          <a:effectRef idx="0">
+            <a:schemeClr val="accent1"/>
+          </a:effectRef>
+          <a:fontRef idx="minor">
+            <a:schemeClr val="lt1"/>
+          </a:fontRef>
+        </p:style>
+        <p:txBody>
+          <a:bodyPr rtlCol="0" anchor="ctr"/>
+          <a:lstStyle/>
+          <a:p>
+            <a:pPr algn="ctr"/>
+            <a:endParaRPr lang="en-US"/>
+          </a:p>
+        </p:txBody>
+      </p:sp>
+      <p:cxnSp>
+        <p:nvCxnSpPr>
+          <p:cNvPr id="7" name="Straight Arrow Connector 6">
+            <a:extLst>
+              <a:ext uri="{FF2B5EF4-FFF2-40B4-BE49-F238E27FC236}">
+                <a16:creationId xmlns:a16="http://schemas.microsoft.com/office/drawing/2014/main" id="{02FEB9F9-907E-4CFE-B740-D1703356A1E4}"/>
+              </a:ext>
+            </a:extLst>
+          </p:cNvPr>
+          <p:cNvCxnSpPr>
+            <a:cxnSpLocks/>
+            <a:stCxn id="2" idx="3"/>
+          </p:cNvCxnSpPr>
+          <p:nvPr/>
+        </p:nvCxnSpPr>
+        <p:spPr>
+          <a:xfrm>
+            <a:off x="3506599" y="3428999"/>
+            <a:ext cx="1422633" cy="1"/>
+          </a:xfrm>
+          <a:prstGeom prst="straightConnector1">
+            <a:avLst/>
+          </a:prstGeom>
+          <a:ln>
+            <a:solidFill>
+              <a:srgbClr val="002060"/>
+            </a:solidFill>
+            <a:tailEnd type="triangle"/>
+          </a:ln>
+        </p:spPr>
+        <p:style>
+          <a:lnRef idx="3">
+            <a:schemeClr val="accent5"/>
+          </a:lnRef>
+          <a:fillRef idx="0">
+            <a:schemeClr val="accent5"/>
+          </a:fillRef>
+          <a:effectRef idx="2">
+            <a:schemeClr val="accent5"/>
+          </a:effectRef>
+          <a:fontRef idx="minor">
+            <a:schemeClr val="tx1"/>
+          </a:fontRef>
+        </p:style>
+      </p:cxnSp>
+      <p:cxnSp>
+        <p:nvCxnSpPr>
+          <p:cNvPr id="9" name="Straight Arrow Connector 8">
+            <a:extLst>
+              <a:ext uri="{FF2B5EF4-FFF2-40B4-BE49-F238E27FC236}">
+                <a16:creationId xmlns:a16="http://schemas.microsoft.com/office/drawing/2014/main" id="{C44B918F-56EE-4BFF-A1C6-BBA00067EE77}"/>
+              </a:ext>
+            </a:extLst>
+          </p:cNvPr>
+          <p:cNvCxnSpPr>
+            <a:cxnSpLocks/>
+            <a:endCxn id="3" idx="1"/>
+          </p:cNvCxnSpPr>
+          <p:nvPr/>
+        </p:nvCxnSpPr>
+        <p:spPr>
+          <a:xfrm flipV="1">
+            <a:off x="6909034" y="2364298"/>
+            <a:ext cx="1422633" cy="789262"/>
+          </a:xfrm>
+          <a:prstGeom prst="straightConnector1">
+            <a:avLst/>
+          </a:prstGeom>
+          <a:ln>
+            <a:solidFill>
+              <a:srgbClr val="002060"/>
+            </a:solidFill>
+            <a:tailEnd type="triangle"/>
+          </a:ln>
+        </p:spPr>
+        <p:style>
+          <a:lnRef idx="3">
+            <a:schemeClr val="accent5"/>
+          </a:lnRef>
+          <a:fillRef idx="0">
+            <a:schemeClr val="accent5"/>
+          </a:fillRef>
+          <a:effectRef idx="2">
+            <a:schemeClr val="accent5"/>
+          </a:effectRef>
+          <a:fontRef idx="minor">
+            <a:schemeClr val="tx1"/>
+          </a:fontRef>
+        </p:style>
+      </p:cxnSp>
+      <p:cxnSp>
+        <p:nvCxnSpPr>
+          <p:cNvPr id="10" name="Straight Arrow Connector 9">
+            <a:extLst>
+              <a:ext uri="{FF2B5EF4-FFF2-40B4-BE49-F238E27FC236}">
+                <a16:creationId xmlns:a16="http://schemas.microsoft.com/office/drawing/2014/main" id="{8817BE7E-AA18-4D04-8CC9-BA715F0FD1AC}"/>
+              </a:ext>
+            </a:extLst>
+          </p:cNvPr>
+          <p:cNvCxnSpPr>
+            <a:cxnSpLocks/>
+            <a:endCxn id="5" idx="1"/>
+          </p:cNvCxnSpPr>
+          <p:nvPr/>
+        </p:nvCxnSpPr>
+        <p:spPr>
+          <a:xfrm>
+            <a:off x="6909034" y="3672981"/>
+            <a:ext cx="1422633" cy="820722"/>
+          </a:xfrm>
+          <a:prstGeom prst="straightConnector1">
+            <a:avLst/>
+          </a:prstGeom>
+          <a:ln>
+            <a:solidFill>
+              <a:srgbClr val="002060"/>
+            </a:solidFill>
+            <a:tailEnd type="triangle"/>
+          </a:ln>
+        </p:spPr>
+        <p:style>
+          <a:lnRef idx="3">
+            <a:schemeClr val="accent5"/>
+          </a:lnRef>
+          <a:fillRef idx="0">
+            <a:schemeClr val="accent5"/>
+          </a:fillRef>
+          <a:effectRef idx="2">
+            <a:schemeClr val="accent5"/>
+          </a:effectRef>
+          <a:fontRef idx="minor">
+            <a:schemeClr val="tx1"/>
+          </a:fontRef>
+        </p:style>
+      </p:cxnSp>
+      <p:cxnSp>
+        <p:nvCxnSpPr>
+          <p:cNvPr id="11" name="Straight Arrow Connector 10">
+            <a:extLst>
+              <a:ext uri="{FF2B5EF4-FFF2-40B4-BE49-F238E27FC236}">
+                <a16:creationId xmlns:a16="http://schemas.microsoft.com/office/drawing/2014/main" id="{49D05ACF-769D-430A-A44E-3D25D3ABDB5C}"/>
+              </a:ext>
+            </a:extLst>
+          </p:cNvPr>
+          <p:cNvCxnSpPr>
+            <a:cxnSpLocks/>
+          </p:cNvCxnSpPr>
+          <p:nvPr/>
+        </p:nvCxnSpPr>
+        <p:spPr>
+          <a:xfrm>
+            <a:off x="10311469" y="2366393"/>
+            <a:ext cx="1422633" cy="1"/>
+          </a:xfrm>
+          <a:prstGeom prst="straightConnector1">
+            <a:avLst/>
+          </a:prstGeom>
+          <a:ln>
+            <a:solidFill>
+              <a:srgbClr val="002060"/>
+            </a:solidFill>
+            <a:tailEnd type="triangle"/>
+          </a:ln>
+        </p:spPr>
+        <p:style>
+          <a:lnRef idx="3">
+            <a:schemeClr val="accent5"/>
+          </a:lnRef>
+          <a:fillRef idx="0">
+            <a:schemeClr val="accent5"/>
+          </a:fillRef>
+          <a:effectRef idx="2">
+            <a:schemeClr val="accent5"/>
+          </a:effectRef>
+          <a:fontRef idx="minor">
+            <a:schemeClr val="tx1"/>
+          </a:fontRef>
+        </p:style>
+      </p:cxnSp>
+      <p:cxnSp>
+        <p:nvCxnSpPr>
+          <p:cNvPr id="15" name="Straight Arrow Connector 14">
+            <a:extLst>
+              <a:ext uri="{FF2B5EF4-FFF2-40B4-BE49-F238E27FC236}">
+                <a16:creationId xmlns:a16="http://schemas.microsoft.com/office/drawing/2014/main" id="{8FD6AD42-CD8B-453B-B21D-8BA5CF7A90EF}"/>
+              </a:ext>
+            </a:extLst>
+          </p:cNvPr>
+          <p:cNvCxnSpPr>
+            <a:cxnSpLocks/>
+          </p:cNvCxnSpPr>
+          <p:nvPr/>
+        </p:nvCxnSpPr>
+        <p:spPr>
+          <a:xfrm>
+            <a:off x="10311469" y="4491607"/>
+            <a:ext cx="1422633" cy="1"/>
+          </a:xfrm>
+          <a:prstGeom prst="straightConnector1">
+            <a:avLst/>
+          </a:prstGeom>
+          <a:ln>
+            <a:solidFill>
+              <a:srgbClr val="002060"/>
+            </a:solidFill>
+            <a:tailEnd type="triangle"/>
+          </a:ln>
+        </p:spPr>
+        <p:style>
+          <a:lnRef idx="3">
+            <a:schemeClr val="accent5"/>
+          </a:lnRef>
+          <a:fillRef idx="0">
+            <a:schemeClr val="accent5"/>
+          </a:fillRef>
+          <a:effectRef idx="2">
+            <a:schemeClr val="accent5"/>
+          </a:effectRef>
+          <a:fontRef idx="minor">
+            <a:schemeClr val="tx1"/>
+          </a:fontRef>
+        </p:style>
+      </p:cxnSp>
+      <mc:AlternateContent xmlns:mc="http://schemas.openxmlformats.org/markup-compatibility/2006">
+        <mc:Choice xmlns:a14="http://schemas.microsoft.com/office/drawing/2010/main" Requires="a14">
+          <p:sp>
+            <p:nvSpPr>
+              <p:cNvPr id="16" name="TextBox 15">
+                <a:extLst>
+                  <a:ext uri="{FF2B5EF4-FFF2-40B4-BE49-F238E27FC236}">
+                    <a16:creationId xmlns:a16="http://schemas.microsoft.com/office/drawing/2014/main" id="{3A80B7AB-C48E-494B-A55C-F213FA36CC71}"/>
+                  </a:ext>
+                </a:extLst>
+              </p:cNvPr>
+              <p:cNvSpPr txBox="1"/>
+              <p:nvPr/>
+            </p:nvSpPr>
+            <p:spPr>
+              <a:xfrm>
+                <a:off x="1988191" y="3018639"/>
+                <a:ext cx="1073791" cy="369332"/>
+              </a:xfrm>
+              <a:prstGeom prst="rect">
+                <a:avLst/>
+              </a:prstGeom>
+              <a:noFill/>
+            </p:spPr>
+            <p:txBody>
+              <a:bodyPr wrap="square" rtlCol="0">
+                <a:spAutoFit/>
+              </a:bodyPr>
+              <a:lstStyle/>
+              <a:p>
+                <a:pPr algn="ctr"/>
+                <a14:m>
+                  <m:oMathPara xmlns:m="http://schemas.openxmlformats.org/officeDocument/2006/math">
+                    <m:oMathParaPr>
+                      <m:jc m:val="centerGroup"/>
+                    </m:oMathParaPr>
+                    <m:oMath xmlns:m="http://schemas.openxmlformats.org/officeDocument/2006/math">
+                      <m:r>
+                        <a:rPr lang="en-US" i="1" dirty="0" smtClean="0">
+                          <a:latin typeface="Cambria Math" panose="02040503050406030204" pitchFamily="18" charset="0"/>
+                        </a:rPr>
+                        <m:t>𝑆</m:t>
+                      </m:r>
+                    </m:oMath>
+                  </m:oMathPara>
+                </a14:m>
+                <a:endParaRPr lang="en-US" dirty="0"/>
+              </a:p>
+            </p:txBody>
+          </p:sp>
+        </mc:Choice>
+        <mc:Fallback>
+          <p:sp>
+            <p:nvSpPr>
+              <p:cNvPr id="16" name="TextBox 15">
+                <a:extLst>
+                  <a:ext uri="{FF2B5EF4-FFF2-40B4-BE49-F238E27FC236}">
+                    <a16:creationId xmlns:a16="http://schemas.microsoft.com/office/drawing/2014/main" id="{3A80B7AB-C48E-494B-A55C-F213FA36CC71}"/>
+                  </a:ext>
+                </a:extLst>
+              </p:cNvPr>
+              <p:cNvSpPr txBox="1">
+                <a:spLocks noRot="1" noChangeAspect="1" noMove="1" noResize="1" noEditPoints="1" noAdjustHandles="1" noChangeArrowheads="1" noChangeShapeType="1" noTextEdit="1"/>
+              </p:cNvSpPr>
+              <p:nvPr/>
+            </p:nvSpPr>
+            <p:spPr>
+              <a:xfrm>
+                <a:off x="1988191" y="3018639"/>
+                <a:ext cx="1073791" cy="369332"/>
+              </a:xfrm>
+              <a:prstGeom prst="rect">
+                <a:avLst/>
+              </a:prstGeom>
+              <a:blipFill>
+                <a:blip r:embed="rId2"/>
+                <a:stretch>
+                  <a:fillRect/>
+                </a:stretch>
+              </a:blipFill>
+            </p:spPr>
+            <p:txBody>
+              <a:bodyPr/>
+              <a:lstStyle/>
+              <a:p>
+                <a:r>
+                  <a:rPr lang="en-US">
+                    <a:noFill/>
+                  </a:rPr>
+                  <a:t> </a:t>
+                </a:r>
+              </a:p>
+            </p:txBody>
+          </p:sp>
+        </mc:Fallback>
+      </mc:AlternateContent>
+      <mc:AlternateContent xmlns:mc="http://schemas.openxmlformats.org/markup-compatibility/2006">
+        <mc:Choice xmlns:a14="http://schemas.microsoft.com/office/drawing/2010/main" Requires="a14">
+          <p:sp>
+            <p:nvSpPr>
+              <p:cNvPr id="17" name="TextBox 16">
+                <a:extLst>
+                  <a:ext uri="{FF2B5EF4-FFF2-40B4-BE49-F238E27FC236}">
+                    <a16:creationId xmlns:a16="http://schemas.microsoft.com/office/drawing/2014/main" id="{DD1AC2B4-1DAC-4AF7-8E0F-B8D9F1604C61}"/>
+                  </a:ext>
+                </a:extLst>
+              </p:cNvPr>
+              <p:cNvSpPr txBox="1"/>
+              <p:nvPr/>
+            </p:nvSpPr>
+            <p:spPr>
+              <a:xfrm>
+                <a:off x="5382237" y="3059668"/>
+                <a:ext cx="1073791" cy="369332"/>
+              </a:xfrm>
+              <a:prstGeom prst="rect">
+                <a:avLst/>
+              </a:prstGeom>
+              <a:noFill/>
+            </p:spPr>
+            <p:txBody>
+              <a:bodyPr wrap="square" rtlCol="0">
+                <a:spAutoFit/>
+              </a:bodyPr>
+              <a:lstStyle/>
+              <a:p>
+                <a:pPr algn="ctr"/>
+                <a14:m>
+                  <m:oMathPara xmlns:m="http://schemas.openxmlformats.org/officeDocument/2006/math">
+                    <m:oMathParaPr>
+                      <m:jc m:val="centerGroup"/>
+                    </m:oMathParaPr>
+                    <m:oMath xmlns:m="http://schemas.openxmlformats.org/officeDocument/2006/math">
+                      <m:r>
+                        <a:rPr lang="en-US" i="1" dirty="0" smtClean="0">
+                          <a:latin typeface="Cambria Math" panose="02040503050406030204" pitchFamily="18" charset="0"/>
+                        </a:rPr>
+                        <m:t>𝐸</m:t>
+                      </m:r>
+                    </m:oMath>
+                  </m:oMathPara>
+                </a14:m>
+                <a:endParaRPr lang="en-US" dirty="0"/>
+              </a:p>
+            </p:txBody>
+          </p:sp>
+        </mc:Choice>
+        <mc:Fallback>
+          <p:sp>
+            <p:nvSpPr>
+              <p:cNvPr id="17" name="TextBox 16">
+                <a:extLst>
+                  <a:ext uri="{FF2B5EF4-FFF2-40B4-BE49-F238E27FC236}">
+                    <a16:creationId xmlns:a16="http://schemas.microsoft.com/office/drawing/2014/main" id="{DD1AC2B4-1DAC-4AF7-8E0F-B8D9F1604C61}"/>
+                  </a:ext>
+                </a:extLst>
+              </p:cNvPr>
+              <p:cNvSpPr txBox="1">
+                <a:spLocks noRot="1" noChangeAspect="1" noMove="1" noResize="1" noEditPoints="1" noAdjustHandles="1" noChangeArrowheads="1" noChangeShapeType="1" noTextEdit="1"/>
+              </p:cNvSpPr>
+              <p:nvPr/>
+            </p:nvSpPr>
+            <p:spPr>
+              <a:xfrm>
+                <a:off x="5382237" y="3059668"/>
+                <a:ext cx="1073791" cy="369332"/>
+              </a:xfrm>
+              <a:prstGeom prst="rect">
+                <a:avLst/>
+              </a:prstGeom>
+              <a:blipFill>
+                <a:blip r:embed="rId3"/>
+                <a:stretch>
+                  <a:fillRect/>
+                </a:stretch>
+              </a:blipFill>
+            </p:spPr>
+            <p:txBody>
+              <a:bodyPr/>
+              <a:lstStyle/>
+              <a:p>
+                <a:r>
+                  <a:rPr lang="en-US">
+                    <a:noFill/>
+                  </a:rPr>
+                  <a:t> </a:t>
+                </a:r>
+              </a:p>
+            </p:txBody>
+          </p:sp>
+        </mc:Fallback>
+      </mc:AlternateContent>
+      <mc:AlternateContent xmlns:mc="http://schemas.openxmlformats.org/markup-compatibility/2006">
+        <mc:Choice xmlns:a14="http://schemas.microsoft.com/office/drawing/2010/main" Requires="a14">
+          <p:sp>
+            <p:nvSpPr>
+              <p:cNvPr id="18" name="TextBox 17">
+                <a:extLst>
+                  <a:ext uri="{FF2B5EF4-FFF2-40B4-BE49-F238E27FC236}">
+                    <a16:creationId xmlns:a16="http://schemas.microsoft.com/office/drawing/2014/main" id="{7A27C967-BD5F-4051-8E94-28B1A02E0030}"/>
+                  </a:ext>
+                </a:extLst>
+              </p:cNvPr>
+              <p:cNvSpPr txBox="1"/>
+              <p:nvPr/>
+            </p:nvSpPr>
+            <p:spPr>
+              <a:xfrm>
+                <a:off x="8784671" y="4122275"/>
+                <a:ext cx="1073791" cy="369332"/>
+              </a:xfrm>
+              <a:prstGeom prst="rect">
+                <a:avLst/>
+              </a:prstGeom>
+              <a:noFill/>
+            </p:spPr>
+            <p:txBody>
+              <a:bodyPr wrap="square" rtlCol="0">
+                <a:spAutoFit/>
+              </a:bodyPr>
+              <a:lstStyle/>
+              <a:p>
+                <a:pPr algn="ctr"/>
+                <a14:m>
+                  <m:oMathPara xmlns:m="http://schemas.openxmlformats.org/officeDocument/2006/math">
+                    <m:oMathParaPr>
+                      <m:jc m:val="centerGroup"/>
+                    </m:oMathParaPr>
+                    <m:oMath xmlns:m="http://schemas.openxmlformats.org/officeDocument/2006/math">
+                      <m:r>
+                        <a:rPr lang="en-US" i="1" dirty="0" smtClean="0">
+                          <a:latin typeface="Cambria Math" panose="02040503050406030204" pitchFamily="18" charset="0"/>
+                        </a:rPr>
+                        <m:t>𝐷</m:t>
+                      </m:r>
+                    </m:oMath>
+                  </m:oMathPara>
+                </a14:m>
+                <a:endParaRPr lang="en-US" dirty="0"/>
+              </a:p>
+            </p:txBody>
+          </p:sp>
+        </mc:Choice>
+        <mc:Fallback>
+          <p:sp>
+            <p:nvSpPr>
+              <p:cNvPr id="18" name="TextBox 17">
+                <a:extLst>
+                  <a:ext uri="{FF2B5EF4-FFF2-40B4-BE49-F238E27FC236}">
+                    <a16:creationId xmlns:a16="http://schemas.microsoft.com/office/drawing/2014/main" id="{7A27C967-BD5F-4051-8E94-28B1A02E0030}"/>
+                  </a:ext>
+                </a:extLst>
+              </p:cNvPr>
+              <p:cNvSpPr txBox="1">
+                <a:spLocks noRot="1" noChangeAspect="1" noMove="1" noResize="1" noEditPoints="1" noAdjustHandles="1" noChangeArrowheads="1" noChangeShapeType="1" noTextEdit="1"/>
+              </p:cNvSpPr>
+              <p:nvPr/>
+            </p:nvSpPr>
+            <p:spPr>
+              <a:xfrm>
+                <a:off x="8784671" y="4122275"/>
+                <a:ext cx="1073791" cy="369332"/>
+              </a:xfrm>
+              <a:prstGeom prst="rect">
+                <a:avLst/>
+              </a:prstGeom>
+              <a:blipFill>
+                <a:blip r:embed="rId4"/>
+                <a:stretch>
+                  <a:fillRect/>
+                </a:stretch>
+              </a:blipFill>
+            </p:spPr>
+            <p:txBody>
+              <a:bodyPr/>
+              <a:lstStyle/>
+              <a:p>
+                <a:r>
+                  <a:rPr lang="en-US">
+                    <a:noFill/>
+                  </a:rPr>
+                  <a:t> </a:t>
+                </a:r>
+              </a:p>
+            </p:txBody>
+          </p:sp>
+        </mc:Fallback>
+      </mc:AlternateContent>
+      <mc:AlternateContent xmlns:mc="http://schemas.openxmlformats.org/markup-compatibility/2006">
+        <mc:Choice xmlns:a14="http://schemas.microsoft.com/office/drawing/2010/main" Requires="a14">
+          <p:sp>
+            <p:nvSpPr>
+              <p:cNvPr id="19" name="TextBox 18">
+                <a:extLst>
+                  <a:ext uri="{FF2B5EF4-FFF2-40B4-BE49-F238E27FC236}">
+                    <a16:creationId xmlns:a16="http://schemas.microsoft.com/office/drawing/2014/main" id="{3A1F4408-6D49-4E86-8D53-32CD2BE4A187}"/>
+                  </a:ext>
+                </a:extLst>
+              </p:cNvPr>
+              <p:cNvSpPr txBox="1"/>
+              <p:nvPr/>
+            </p:nvSpPr>
+            <p:spPr>
+              <a:xfrm>
+                <a:off x="8784672" y="1976088"/>
+                <a:ext cx="1073791" cy="369332"/>
+              </a:xfrm>
+              <a:prstGeom prst="rect">
+                <a:avLst/>
+              </a:prstGeom>
+              <a:noFill/>
+            </p:spPr>
+            <p:txBody>
+              <a:bodyPr wrap="square" rtlCol="0">
+                <a:spAutoFit/>
+              </a:bodyPr>
+              <a:lstStyle/>
+              <a:p>
+                <a:pPr algn="ctr"/>
+                <a14:m>
+                  <m:oMathPara xmlns:m="http://schemas.openxmlformats.org/officeDocument/2006/math">
+                    <m:oMathParaPr>
+                      <m:jc m:val="centerGroup"/>
+                    </m:oMathParaPr>
+                    <m:oMath xmlns:m="http://schemas.openxmlformats.org/officeDocument/2006/math">
+                      <m:r>
+                        <a:rPr lang="en-US" i="1" dirty="0" smtClean="0">
+                          <a:latin typeface="Cambria Math" panose="02040503050406030204" pitchFamily="18" charset="0"/>
+                        </a:rPr>
+                        <m:t>𝑅</m:t>
+                      </m:r>
+                    </m:oMath>
+                  </m:oMathPara>
+                </a14:m>
+                <a:endParaRPr lang="en-US" dirty="0"/>
+              </a:p>
+            </p:txBody>
+          </p:sp>
+        </mc:Choice>
+        <mc:Fallback>
+          <p:sp>
+            <p:nvSpPr>
+              <p:cNvPr id="19" name="TextBox 18">
+                <a:extLst>
+                  <a:ext uri="{FF2B5EF4-FFF2-40B4-BE49-F238E27FC236}">
+                    <a16:creationId xmlns:a16="http://schemas.microsoft.com/office/drawing/2014/main" id="{3A1F4408-6D49-4E86-8D53-32CD2BE4A187}"/>
+                  </a:ext>
+                </a:extLst>
+              </p:cNvPr>
+              <p:cNvSpPr txBox="1">
+                <a:spLocks noRot="1" noChangeAspect="1" noMove="1" noResize="1" noEditPoints="1" noAdjustHandles="1" noChangeArrowheads="1" noChangeShapeType="1" noTextEdit="1"/>
+              </p:cNvSpPr>
+              <p:nvPr/>
+            </p:nvSpPr>
+            <p:spPr>
+              <a:xfrm>
+                <a:off x="8784672" y="1976088"/>
+                <a:ext cx="1073791" cy="369332"/>
+              </a:xfrm>
+              <a:prstGeom prst="rect">
+                <a:avLst/>
+              </a:prstGeom>
+              <a:blipFill>
+                <a:blip r:embed="rId5"/>
+                <a:stretch>
+                  <a:fillRect/>
+                </a:stretch>
+              </a:blipFill>
+            </p:spPr>
+            <p:txBody>
+              <a:bodyPr/>
+              <a:lstStyle/>
+              <a:p>
+                <a:r>
+                  <a:rPr lang="en-US">
+                    <a:noFill/>
+                  </a:rPr>
+                  <a:t> </a:t>
+                </a:r>
+              </a:p>
+            </p:txBody>
+          </p:sp>
+        </mc:Fallback>
+      </mc:AlternateContent>
+      <p:sp>
+        <p:nvSpPr>
+          <p:cNvPr id="20" name="TextBox 19">
+            <a:extLst>
+              <a:ext uri="{FF2B5EF4-FFF2-40B4-BE49-F238E27FC236}">
+                <a16:creationId xmlns:a16="http://schemas.microsoft.com/office/drawing/2014/main" id="{09F99733-5E7B-43F8-A842-9C46C04424EF}"/>
+              </a:ext>
+            </a:extLst>
+          </p:cNvPr>
+          <p:cNvSpPr txBox="1"/>
+          <p:nvPr/>
+        </p:nvSpPr>
+        <p:spPr>
+          <a:xfrm>
+            <a:off x="8784670" y="2336815"/>
+            <a:ext cx="1073791" cy="307777"/>
+          </a:xfrm>
+          <a:prstGeom prst="rect">
+            <a:avLst/>
+          </a:prstGeom>
+          <a:noFill/>
+        </p:spPr>
+        <p:txBody>
+          <a:bodyPr wrap="square" rtlCol="0">
+            <a:spAutoFit/>
+          </a:bodyPr>
+          <a:lstStyle/>
+          <a:p>
+            <a:pPr algn="ctr"/>
+            <a:r>
+              <a:rPr lang="en-US" sz="1400" dirty="0"/>
+              <a:t>Recovering</a:t>
+            </a:r>
+          </a:p>
+        </p:txBody>
+      </p:sp>
+      <p:sp>
+        <p:nvSpPr>
+          <p:cNvPr id="21" name="TextBox 20">
+            <a:extLst>
+              <a:ext uri="{FF2B5EF4-FFF2-40B4-BE49-F238E27FC236}">
+                <a16:creationId xmlns:a16="http://schemas.microsoft.com/office/drawing/2014/main" id="{9CC7EE9C-B32A-425C-A1EF-5062DFED29F3}"/>
+              </a:ext>
+            </a:extLst>
+          </p:cNvPr>
+          <p:cNvSpPr txBox="1"/>
+          <p:nvPr/>
+        </p:nvSpPr>
+        <p:spPr>
+          <a:xfrm>
+            <a:off x="8784669" y="4464429"/>
+            <a:ext cx="1073791" cy="307777"/>
+          </a:xfrm>
+          <a:prstGeom prst="rect">
+            <a:avLst/>
+          </a:prstGeom>
+          <a:noFill/>
+        </p:spPr>
+        <p:txBody>
+          <a:bodyPr wrap="square" rtlCol="0">
+            <a:spAutoFit/>
+          </a:bodyPr>
+          <a:lstStyle/>
+          <a:p>
+            <a:pPr algn="ctr"/>
+            <a:r>
+              <a:rPr lang="en-US" sz="1400" dirty="0"/>
+              <a:t>Dying</a:t>
+            </a:r>
+          </a:p>
+        </p:txBody>
+      </p:sp>
+      <p:sp>
+        <p:nvSpPr>
+          <p:cNvPr id="22" name="TextBox 21">
+            <a:extLst>
+              <a:ext uri="{FF2B5EF4-FFF2-40B4-BE49-F238E27FC236}">
+                <a16:creationId xmlns:a16="http://schemas.microsoft.com/office/drawing/2014/main" id="{F6DCC5A0-C9B3-4C14-8B3D-FA7FD56A41A8}"/>
+              </a:ext>
+            </a:extLst>
+          </p:cNvPr>
+          <p:cNvSpPr txBox="1"/>
+          <p:nvPr/>
+        </p:nvSpPr>
+        <p:spPr>
+          <a:xfrm>
+            <a:off x="5382236" y="3365204"/>
+            <a:ext cx="1073791" cy="307777"/>
+          </a:xfrm>
+          <a:prstGeom prst="rect">
+            <a:avLst/>
+          </a:prstGeom>
+          <a:noFill/>
+        </p:spPr>
+        <p:txBody>
+          <a:bodyPr wrap="square" rtlCol="0">
+            <a:spAutoFit/>
+          </a:bodyPr>
+          <a:lstStyle/>
+          <a:p>
+            <a:pPr algn="ctr"/>
+            <a:r>
+              <a:rPr lang="en-US" sz="1400" dirty="0"/>
+              <a:t>Exposed</a:t>
+            </a:r>
+          </a:p>
+        </p:txBody>
+      </p:sp>
+      <p:sp>
+        <p:nvSpPr>
+          <p:cNvPr id="23" name="TextBox 22">
+            <a:extLst>
+              <a:ext uri="{FF2B5EF4-FFF2-40B4-BE49-F238E27FC236}">
+                <a16:creationId xmlns:a16="http://schemas.microsoft.com/office/drawing/2014/main" id="{C62E6401-DA37-4719-B50E-8C948AC3A5EC}"/>
+              </a:ext>
+            </a:extLst>
+          </p:cNvPr>
+          <p:cNvSpPr txBox="1"/>
+          <p:nvPr/>
+        </p:nvSpPr>
+        <p:spPr>
+          <a:xfrm>
+            <a:off x="1979802" y="3397579"/>
+            <a:ext cx="1073791" cy="307777"/>
+          </a:xfrm>
+          <a:prstGeom prst="rect">
+            <a:avLst/>
+          </a:prstGeom>
+          <a:noFill/>
+        </p:spPr>
+        <p:txBody>
+          <a:bodyPr wrap="square" rtlCol="0">
+            <a:spAutoFit/>
+          </a:bodyPr>
+          <a:lstStyle/>
+          <a:p>
+            <a:pPr algn="ctr"/>
+            <a:r>
+              <a:rPr lang="en-US" sz="1400" dirty="0"/>
+              <a:t>Susceptible</a:t>
+            </a:r>
+          </a:p>
+        </p:txBody>
+      </p:sp>
+      <p:sp>
+        <p:nvSpPr>
+          <p:cNvPr id="24" name="Rectangle 23">
+            <a:extLst>
+              <a:ext uri="{FF2B5EF4-FFF2-40B4-BE49-F238E27FC236}">
+                <a16:creationId xmlns:a16="http://schemas.microsoft.com/office/drawing/2014/main" id="{65AF2300-617C-438D-8732-412EA59E793F}"/>
+              </a:ext>
+            </a:extLst>
+          </p:cNvPr>
+          <p:cNvSpPr/>
+          <p:nvPr/>
+        </p:nvSpPr>
+        <p:spPr>
+          <a:xfrm>
+            <a:off x="7902429" y="1082180"/>
+            <a:ext cx="2762774" cy="4815275"/>
+          </a:xfrm>
+          <a:prstGeom prst="rect">
+            <a:avLst/>
+          </a:prstGeom>
+          <a:noFill/>
+          <a:ln>
+            <a:solidFill>
+              <a:srgbClr val="002060"/>
+            </a:solidFill>
+            <a:prstDash val="dash"/>
+          </a:ln>
+        </p:spPr>
+        <p:style>
+          <a:lnRef idx="2">
+            <a:schemeClr val="accent1">
+              <a:shade val="50000"/>
+            </a:schemeClr>
+          </a:lnRef>
+          <a:fillRef idx="1">
+            <a:schemeClr val="accent1"/>
+          </a:fillRef>
+          <a:effectRef idx="0">
+            <a:schemeClr val="accent1"/>
+          </a:effectRef>
+          <a:fontRef idx="minor">
+            <a:schemeClr val="lt1"/>
+          </a:fontRef>
+        </p:style>
+        <p:txBody>
+          <a:bodyPr rot="0" spcFirstLastPara="0" vertOverflow="overflow" horzOverflow="overflow" vert="horz" wrap="square" lIns="91440" tIns="45720" rIns="91440" bIns="45720" numCol="1" spcCol="0" rtlCol="0" fromWordArt="0" anchor="ctr" anchorCtr="0" forceAA="0" compatLnSpc="1">
+            <a:prstTxWarp prst="textNoShape">
+              <a:avLst/>
+            </a:prstTxWarp>
+            <a:noAutofit/>
+          </a:bodyPr>
+          <a:lstStyle/>
+          <a:p>
+            <a:pPr algn="ctr"/>
+            <a:endParaRPr lang="en-US"/>
+          </a:p>
+        </p:txBody>
+      </p:sp>
+      <mc:AlternateContent xmlns:mc="http://schemas.openxmlformats.org/markup-compatibility/2006">
+        <mc:Choice xmlns:a14="http://schemas.microsoft.com/office/drawing/2010/main" Requires="a14">
+          <p:sp>
+            <p:nvSpPr>
+              <p:cNvPr id="25" name="TextBox 24">
+                <a:extLst>
+                  <a:ext uri="{FF2B5EF4-FFF2-40B4-BE49-F238E27FC236}">
+                    <a16:creationId xmlns:a16="http://schemas.microsoft.com/office/drawing/2014/main" id="{D55F0FAA-EA2F-4C76-A7B0-2C3A89D990CE}"/>
+                  </a:ext>
+                </a:extLst>
+              </p:cNvPr>
+              <p:cNvSpPr txBox="1"/>
+              <p:nvPr/>
+            </p:nvSpPr>
+            <p:spPr>
+              <a:xfrm>
+                <a:off x="8454879" y="1134985"/>
+                <a:ext cx="1657874" cy="369332"/>
+              </a:xfrm>
+              <a:prstGeom prst="rect">
+                <a:avLst/>
+              </a:prstGeom>
+              <a:noFill/>
+            </p:spPr>
+            <p:txBody>
+              <a:bodyPr wrap="square" rtlCol="0">
+                <a:spAutoFit/>
+              </a:bodyPr>
+              <a:lstStyle/>
+              <a:p>
+                <a:pPr algn="ctr"/>
+                <a14:m>
+                  <m:oMath xmlns:m="http://schemas.openxmlformats.org/officeDocument/2006/math">
+                    <m:r>
+                      <a:rPr lang="en-US" i="1" dirty="0" smtClean="0">
+                        <a:latin typeface="Cambria Math" panose="02040503050406030204" pitchFamily="18" charset="0"/>
+                      </a:rPr>
+                      <m:t>𝐼</m:t>
+                    </m:r>
+                  </m:oMath>
+                </a14:m>
+                <a:r>
+                  <a:rPr lang="en-US" dirty="0"/>
+                  <a:t> = Infectious</a:t>
+                </a:r>
+              </a:p>
+            </p:txBody>
+          </p:sp>
+        </mc:Choice>
+        <mc:Fallback>
+          <p:sp>
+            <p:nvSpPr>
+              <p:cNvPr id="25" name="TextBox 24">
+                <a:extLst>
+                  <a:ext uri="{FF2B5EF4-FFF2-40B4-BE49-F238E27FC236}">
+                    <a16:creationId xmlns:a16="http://schemas.microsoft.com/office/drawing/2014/main" id="{D55F0FAA-EA2F-4C76-A7B0-2C3A89D990CE}"/>
+                  </a:ext>
+                </a:extLst>
+              </p:cNvPr>
+              <p:cNvSpPr txBox="1">
+                <a:spLocks noRot="1" noChangeAspect="1" noMove="1" noResize="1" noEditPoints="1" noAdjustHandles="1" noChangeArrowheads="1" noChangeShapeType="1" noTextEdit="1"/>
+              </p:cNvSpPr>
+              <p:nvPr/>
+            </p:nvSpPr>
+            <p:spPr>
+              <a:xfrm>
+                <a:off x="8454879" y="1134985"/>
+                <a:ext cx="1657874" cy="369332"/>
+              </a:xfrm>
+              <a:prstGeom prst="rect">
+                <a:avLst/>
+              </a:prstGeom>
+              <a:blipFill>
+                <a:blip r:embed="rId6"/>
+                <a:stretch>
+                  <a:fillRect t="-8197" b="-24590"/>
+                </a:stretch>
+              </a:blipFill>
+            </p:spPr>
+            <p:txBody>
+              <a:bodyPr/>
+              <a:lstStyle/>
+              <a:p>
+                <a:r>
+                  <a:rPr lang="en-US">
+                    <a:noFill/>
+                  </a:rPr>
+                  <a:t> </a:t>
+                </a:r>
+              </a:p>
+            </p:txBody>
+          </p:sp>
+        </mc:Fallback>
+      </mc:AlternateContent>
+      <mc:AlternateContent xmlns:mc="http://schemas.openxmlformats.org/markup-compatibility/2006">
+        <mc:Choice xmlns:a14="http://schemas.microsoft.com/office/drawing/2010/main" Requires="a14">
+          <p:sp>
+            <p:nvSpPr>
+              <p:cNvPr id="26" name="TextBox 25">
+                <a:extLst>
+                  <a:ext uri="{FF2B5EF4-FFF2-40B4-BE49-F238E27FC236}">
+                    <a16:creationId xmlns:a16="http://schemas.microsoft.com/office/drawing/2014/main" id="{EF0DFF92-D697-4A46-B8D5-AA2C3FA47D94}"/>
+                  </a:ext>
+                </a:extLst>
+              </p:cNvPr>
+              <p:cNvSpPr txBox="1"/>
+              <p:nvPr/>
+            </p:nvSpPr>
+            <p:spPr>
+              <a:xfrm>
+                <a:off x="3766657" y="2901434"/>
+                <a:ext cx="880844" cy="369332"/>
+              </a:xfrm>
+              <a:prstGeom prst="rect">
+                <a:avLst/>
+              </a:prstGeom>
+              <a:noFill/>
+            </p:spPr>
+            <p:txBody>
+              <a:bodyPr wrap="square" rtlCol="0">
+                <a:spAutoFit/>
+              </a:bodyPr>
+              <a:lstStyle/>
+              <a:p>
+                <a14:m>
+                  <m:oMathPara xmlns:m="http://schemas.openxmlformats.org/officeDocument/2006/math">
+                    <m:oMathParaPr>
+                      <m:jc m:val="centerGroup"/>
+                    </m:oMathParaPr>
+                    <m:oMath xmlns:m="http://schemas.openxmlformats.org/officeDocument/2006/math">
+                      <m:r>
+                        <a:rPr lang="en-US" b="0" i="1" smtClean="0">
+                          <a:latin typeface="Cambria Math" panose="02040503050406030204" pitchFamily="18" charset="0"/>
+                        </a:rPr>
+                        <m:t>𝛽</m:t>
+                      </m:r>
+                      <m:r>
+                        <a:rPr lang="en-US" b="0" i="1" smtClean="0">
+                          <a:latin typeface="Cambria Math" panose="02040503050406030204" pitchFamily="18" charset="0"/>
+                        </a:rPr>
+                        <m:t>𝑆𝐼</m:t>
+                      </m:r>
+                    </m:oMath>
+                  </m:oMathPara>
+                </a14:m>
+                <a:endParaRPr lang="en-US" dirty="0"/>
+              </a:p>
+            </p:txBody>
+          </p:sp>
+        </mc:Choice>
+        <mc:Fallback>
+          <p:sp>
+            <p:nvSpPr>
+              <p:cNvPr id="26" name="TextBox 25">
+                <a:extLst>
+                  <a:ext uri="{FF2B5EF4-FFF2-40B4-BE49-F238E27FC236}">
+                    <a16:creationId xmlns:a16="http://schemas.microsoft.com/office/drawing/2014/main" id="{EF0DFF92-D697-4A46-B8D5-AA2C3FA47D94}"/>
+                  </a:ext>
+                </a:extLst>
+              </p:cNvPr>
+              <p:cNvSpPr txBox="1">
+                <a:spLocks noRot="1" noChangeAspect="1" noMove="1" noResize="1" noEditPoints="1" noAdjustHandles="1" noChangeArrowheads="1" noChangeShapeType="1" noTextEdit="1"/>
+              </p:cNvSpPr>
+              <p:nvPr/>
+            </p:nvSpPr>
+            <p:spPr>
+              <a:xfrm>
+                <a:off x="3766657" y="2901434"/>
+                <a:ext cx="880844" cy="369332"/>
+              </a:xfrm>
+              <a:prstGeom prst="rect">
+                <a:avLst/>
+              </a:prstGeom>
+              <a:blipFill>
+                <a:blip r:embed="rId7"/>
+                <a:stretch>
+                  <a:fillRect b="-11475"/>
+                </a:stretch>
+              </a:blipFill>
+            </p:spPr>
+            <p:txBody>
+              <a:bodyPr/>
+              <a:lstStyle/>
+              <a:p>
+                <a:r>
+                  <a:rPr lang="en-US">
+                    <a:noFill/>
+                  </a:rPr>
+                  <a:t> </a:t>
+                </a:r>
+              </a:p>
+            </p:txBody>
+          </p:sp>
+        </mc:Fallback>
+      </mc:AlternateContent>
+      <mc:AlternateContent xmlns:mc="http://schemas.openxmlformats.org/markup-compatibility/2006">
+        <mc:Choice xmlns:a14="http://schemas.microsoft.com/office/drawing/2010/main" Requires="a14">
+          <p:sp>
+            <p:nvSpPr>
+              <p:cNvPr id="28" name="TextBox 27">
+                <a:extLst>
+                  <a:ext uri="{FF2B5EF4-FFF2-40B4-BE49-F238E27FC236}">
+                    <a16:creationId xmlns:a16="http://schemas.microsoft.com/office/drawing/2014/main" id="{DF7D0553-4A14-4502-808B-4C42D8AF53FA}"/>
+                  </a:ext>
+                </a:extLst>
+              </p:cNvPr>
+              <p:cNvSpPr txBox="1"/>
+              <p:nvPr/>
+            </p:nvSpPr>
+            <p:spPr>
+              <a:xfrm>
+                <a:off x="5476265" y="3654694"/>
+                <a:ext cx="936071" cy="369332"/>
+              </a:xfrm>
+              <a:prstGeom prst="rect">
+                <a:avLst/>
+              </a:prstGeom>
+              <a:noFill/>
+            </p:spPr>
+            <p:txBody>
+              <a:bodyPr wrap="square" rtlCol="0">
+                <a:spAutoFit/>
+              </a:bodyPr>
+              <a:lstStyle/>
+              <a:p>
+                <a14:m>
+                  <m:oMathPara xmlns:m="http://schemas.openxmlformats.org/officeDocument/2006/math">
+                    <m:oMathParaPr>
+                      <m:jc m:val="centerGroup"/>
+                    </m:oMathParaPr>
+                    <m:oMath xmlns:m="http://schemas.openxmlformats.org/officeDocument/2006/math">
+                      <m:sSub>
+                        <m:sSubPr>
+                          <m:ctrlPr>
+                            <a:rPr lang="en-US" b="0" i="1" smtClean="0">
+                              <a:latin typeface="Cambria Math" panose="02040503050406030204" pitchFamily="18" charset="0"/>
+                            </a:rPr>
+                          </m:ctrlPr>
+                        </m:sSubPr>
+                        <m:e>
+                          <m:r>
+                            <a:rPr lang="en-US" b="1" i="1" smtClean="0">
+                              <a:latin typeface="Cambria Math" panose="02040503050406030204" pitchFamily="18" charset="0"/>
+                            </a:rPr>
+                            <m:t>𝑨</m:t>
+                          </m:r>
+                        </m:e>
+                        <m:sub>
+                          <m:r>
+                            <a:rPr lang="en-US" b="0" i="1" smtClean="0">
+                              <a:latin typeface="Cambria Math" panose="02040503050406030204" pitchFamily="18" charset="0"/>
+                            </a:rPr>
+                            <m:t>𝑒</m:t>
+                          </m:r>
+                        </m:sub>
+                      </m:sSub>
+                    </m:oMath>
+                  </m:oMathPara>
+                </a14:m>
+                <a:endParaRPr lang="en-US" dirty="0"/>
+              </a:p>
+            </p:txBody>
+          </p:sp>
+        </mc:Choice>
+        <mc:Fallback>
+          <p:sp>
+            <p:nvSpPr>
+              <p:cNvPr id="28" name="TextBox 27">
+                <a:extLst>
+                  <a:ext uri="{FF2B5EF4-FFF2-40B4-BE49-F238E27FC236}">
+                    <a16:creationId xmlns:a16="http://schemas.microsoft.com/office/drawing/2014/main" id="{DF7D0553-4A14-4502-808B-4C42D8AF53FA}"/>
+                  </a:ext>
+                </a:extLst>
+              </p:cNvPr>
+              <p:cNvSpPr txBox="1">
+                <a:spLocks noRot="1" noChangeAspect="1" noMove="1" noResize="1" noEditPoints="1" noAdjustHandles="1" noChangeArrowheads="1" noChangeShapeType="1" noTextEdit="1"/>
+              </p:cNvSpPr>
+              <p:nvPr/>
+            </p:nvSpPr>
+            <p:spPr>
+              <a:xfrm>
+                <a:off x="5476265" y="3654694"/>
+                <a:ext cx="936071" cy="369332"/>
+              </a:xfrm>
+              <a:prstGeom prst="rect">
+                <a:avLst/>
+              </a:prstGeom>
+              <a:blipFill>
+                <a:blip r:embed="rId8"/>
+                <a:stretch>
+                  <a:fillRect/>
+                </a:stretch>
+              </a:blipFill>
+            </p:spPr>
+            <p:txBody>
+              <a:bodyPr/>
+              <a:lstStyle/>
+              <a:p>
+                <a:r>
+                  <a:rPr lang="en-US">
+                    <a:noFill/>
+                  </a:rPr>
+                  <a:t> </a:t>
+                </a:r>
+              </a:p>
+            </p:txBody>
+          </p:sp>
+        </mc:Fallback>
+      </mc:AlternateContent>
+      <mc:AlternateContent xmlns:mc="http://schemas.openxmlformats.org/markup-compatibility/2006">
+        <mc:Choice xmlns:a14="http://schemas.microsoft.com/office/drawing/2010/main" Requires="a14">
+          <p:sp>
+            <p:nvSpPr>
+              <p:cNvPr id="29" name="TextBox 28">
+                <a:extLst>
+                  <a:ext uri="{FF2B5EF4-FFF2-40B4-BE49-F238E27FC236}">
+                    <a16:creationId xmlns:a16="http://schemas.microsoft.com/office/drawing/2014/main" id="{2189FE58-571A-41FD-9BC4-0CCE11218944}"/>
+                  </a:ext>
+                </a:extLst>
+              </p:cNvPr>
+              <p:cNvSpPr txBox="1"/>
+              <p:nvPr/>
+            </p:nvSpPr>
+            <p:spPr>
+              <a:xfrm>
+                <a:off x="10697709" y="1950247"/>
+                <a:ext cx="936071" cy="369332"/>
+              </a:xfrm>
+              <a:prstGeom prst="rect">
+                <a:avLst/>
+              </a:prstGeom>
+              <a:noFill/>
+            </p:spPr>
+            <p:txBody>
+              <a:bodyPr wrap="square" rtlCol="0">
+                <a:spAutoFit/>
+              </a:bodyPr>
+              <a:lstStyle/>
+              <a:p>
+                <a14:m>
+                  <m:oMathPara xmlns:m="http://schemas.openxmlformats.org/officeDocument/2006/math">
+                    <m:oMathParaPr>
+                      <m:jc m:val="centerGroup"/>
+                    </m:oMathParaPr>
+                    <m:oMath xmlns:m="http://schemas.openxmlformats.org/officeDocument/2006/math">
+                      <m:sSub>
+                        <m:sSubPr>
+                          <m:ctrlPr>
+                            <a:rPr lang="en-US" b="0" i="1" smtClean="0">
+                              <a:latin typeface="Cambria Math" panose="02040503050406030204" pitchFamily="18" charset="0"/>
+                            </a:rPr>
+                          </m:ctrlPr>
+                        </m:sSubPr>
+                        <m:e>
+                          <m:r>
+                            <a:rPr lang="en-US" b="1" i="1" smtClean="0">
+                              <a:latin typeface="Cambria Math" panose="02040503050406030204" pitchFamily="18" charset="0"/>
+                            </a:rPr>
+                            <m:t>𝒂</m:t>
+                          </m:r>
+                        </m:e>
+                        <m:sub>
+                          <m:r>
+                            <a:rPr lang="en-US" b="0" i="1" smtClean="0">
+                              <a:latin typeface="Cambria Math" panose="02040503050406030204" pitchFamily="18" charset="0"/>
+                            </a:rPr>
+                            <m:t>𝑟</m:t>
+                          </m:r>
+                        </m:sub>
+                      </m:sSub>
+                    </m:oMath>
+                  </m:oMathPara>
+                </a14:m>
+                <a:endParaRPr lang="en-US" dirty="0"/>
+              </a:p>
+            </p:txBody>
+          </p:sp>
+        </mc:Choice>
+        <mc:Fallback>
+          <p:sp>
+            <p:nvSpPr>
+              <p:cNvPr id="29" name="TextBox 28">
+                <a:extLst>
+                  <a:ext uri="{FF2B5EF4-FFF2-40B4-BE49-F238E27FC236}">
+                    <a16:creationId xmlns:a16="http://schemas.microsoft.com/office/drawing/2014/main" id="{2189FE58-571A-41FD-9BC4-0CCE11218944}"/>
+                  </a:ext>
+                </a:extLst>
+              </p:cNvPr>
+              <p:cNvSpPr txBox="1">
+                <a:spLocks noRot="1" noChangeAspect="1" noMove="1" noResize="1" noEditPoints="1" noAdjustHandles="1" noChangeArrowheads="1" noChangeShapeType="1" noTextEdit="1"/>
+              </p:cNvSpPr>
+              <p:nvPr/>
+            </p:nvSpPr>
+            <p:spPr>
+              <a:xfrm>
+                <a:off x="10697709" y="1950247"/>
+                <a:ext cx="936071" cy="369332"/>
+              </a:xfrm>
+              <a:prstGeom prst="rect">
+                <a:avLst/>
+              </a:prstGeom>
+              <a:blipFill>
+                <a:blip r:embed="rId9"/>
+                <a:stretch>
+                  <a:fillRect/>
+                </a:stretch>
+              </a:blipFill>
+            </p:spPr>
+            <p:txBody>
+              <a:bodyPr/>
+              <a:lstStyle/>
+              <a:p>
+                <a:r>
+                  <a:rPr lang="en-US">
+                    <a:noFill/>
+                  </a:rPr>
+                  <a:t> </a:t>
+                </a:r>
+              </a:p>
+            </p:txBody>
+          </p:sp>
+        </mc:Fallback>
+      </mc:AlternateContent>
+      <mc:AlternateContent xmlns:mc="http://schemas.openxmlformats.org/markup-compatibility/2006">
+        <mc:Choice xmlns:a14="http://schemas.microsoft.com/office/drawing/2010/main" Requires="a14">
+          <p:sp>
+            <p:nvSpPr>
+              <p:cNvPr id="30" name="TextBox 29">
+                <a:extLst>
+                  <a:ext uri="{FF2B5EF4-FFF2-40B4-BE49-F238E27FC236}">
+                    <a16:creationId xmlns:a16="http://schemas.microsoft.com/office/drawing/2014/main" id="{82B690B1-F2C1-4621-91C1-4593160EB48F}"/>
+                  </a:ext>
+                </a:extLst>
+              </p:cNvPr>
+              <p:cNvSpPr txBox="1"/>
+              <p:nvPr/>
+            </p:nvSpPr>
+            <p:spPr>
+              <a:xfrm>
+                <a:off x="8853528" y="4728537"/>
+                <a:ext cx="936071" cy="369332"/>
+              </a:xfrm>
+              <a:prstGeom prst="rect">
+                <a:avLst/>
+              </a:prstGeom>
+              <a:noFill/>
+            </p:spPr>
+            <p:txBody>
+              <a:bodyPr wrap="square" rtlCol="0">
+                <a:spAutoFit/>
+              </a:bodyPr>
+              <a:lstStyle/>
+              <a:p>
+                <a14:m>
+                  <m:oMathPara xmlns:m="http://schemas.openxmlformats.org/officeDocument/2006/math">
+                    <m:oMathParaPr>
+                      <m:jc m:val="centerGroup"/>
+                    </m:oMathParaPr>
+                    <m:oMath xmlns:m="http://schemas.openxmlformats.org/officeDocument/2006/math">
+                      <m:sSub>
+                        <m:sSubPr>
+                          <m:ctrlPr>
+                            <a:rPr lang="en-US" b="0" i="1" smtClean="0">
+                              <a:latin typeface="Cambria Math" panose="02040503050406030204" pitchFamily="18" charset="0"/>
+                            </a:rPr>
+                          </m:ctrlPr>
+                        </m:sSubPr>
+                        <m:e>
+                          <m:r>
+                            <a:rPr lang="en-US" b="1" i="1" smtClean="0">
+                              <a:latin typeface="Cambria Math" panose="02040503050406030204" pitchFamily="18" charset="0"/>
+                            </a:rPr>
+                            <m:t>𝑨</m:t>
+                          </m:r>
+                        </m:e>
+                        <m:sub>
+                          <m:r>
+                            <a:rPr lang="en-US" b="0" i="1" smtClean="0">
+                              <a:latin typeface="Cambria Math" panose="02040503050406030204" pitchFamily="18" charset="0"/>
+                            </a:rPr>
+                            <m:t>𝑑</m:t>
+                          </m:r>
+                        </m:sub>
+                      </m:sSub>
+                    </m:oMath>
+                  </m:oMathPara>
+                </a14:m>
+                <a:endParaRPr lang="en-US" dirty="0"/>
+              </a:p>
+            </p:txBody>
+          </p:sp>
+        </mc:Choice>
+        <mc:Fallback>
+          <p:sp>
+            <p:nvSpPr>
+              <p:cNvPr id="30" name="TextBox 29">
+                <a:extLst>
+                  <a:ext uri="{FF2B5EF4-FFF2-40B4-BE49-F238E27FC236}">
+                    <a16:creationId xmlns:a16="http://schemas.microsoft.com/office/drawing/2014/main" id="{82B690B1-F2C1-4621-91C1-4593160EB48F}"/>
+                  </a:ext>
+                </a:extLst>
+              </p:cNvPr>
+              <p:cNvSpPr txBox="1">
+                <a:spLocks noRot="1" noChangeAspect="1" noMove="1" noResize="1" noEditPoints="1" noAdjustHandles="1" noChangeArrowheads="1" noChangeShapeType="1" noTextEdit="1"/>
+              </p:cNvSpPr>
+              <p:nvPr/>
+            </p:nvSpPr>
+            <p:spPr>
+              <a:xfrm>
+                <a:off x="8853528" y="4728537"/>
+                <a:ext cx="936071" cy="369332"/>
+              </a:xfrm>
+              <a:prstGeom prst="rect">
+                <a:avLst/>
+              </a:prstGeom>
+              <a:blipFill>
+                <a:blip r:embed="rId10"/>
+                <a:stretch>
+                  <a:fillRect/>
+                </a:stretch>
+              </a:blipFill>
+            </p:spPr>
+            <p:txBody>
+              <a:bodyPr/>
+              <a:lstStyle/>
+              <a:p>
+                <a:r>
+                  <a:rPr lang="en-US">
+                    <a:noFill/>
+                  </a:rPr>
+                  <a:t> </a:t>
+                </a:r>
+              </a:p>
+            </p:txBody>
+          </p:sp>
+        </mc:Fallback>
+      </mc:AlternateContent>
+      <mc:AlternateContent xmlns:mc="http://schemas.openxmlformats.org/markup-compatibility/2006">
+        <mc:Choice xmlns:a14="http://schemas.microsoft.com/office/drawing/2010/main" Requires="a14">
+          <p:sp>
+            <p:nvSpPr>
+              <p:cNvPr id="31" name="TextBox 30">
+                <a:extLst>
+                  <a:ext uri="{FF2B5EF4-FFF2-40B4-BE49-F238E27FC236}">
+                    <a16:creationId xmlns:a16="http://schemas.microsoft.com/office/drawing/2014/main" id="{8B1B8C20-7EDD-4A45-8153-DC7726E2AA67}"/>
+                  </a:ext>
+                </a:extLst>
+              </p:cNvPr>
+              <p:cNvSpPr txBox="1"/>
+              <p:nvPr/>
+            </p:nvSpPr>
+            <p:spPr>
+              <a:xfrm>
+                <a:off x="10697709" y="4075460"/>
+                <a:ext cx="936071" cy="369332"/>
+              </a:xfrm>
+              <a:prstGeom prst="rect">
+                <a:avLst/>
+              </a:prstGeom>
+              <a:noFill/>
+            </p:spPr>
+            <p:txBody>
+              <a:bodyPr wrap="square" rtlCol="0">
+                <a:spAutoFit/>
+              </a:bodyPr>
+              <a:lstStyle/>
+              <a:p>
+                <a14:m>
+                  <m:oMathPara xmlns:m="http://schemas.openxmlformats.org/officeDocument/2006/math">
+                    <m:oMathParaPr>
+                      <m:jc m:val="centerGroup"/>
+                    </m:oMathParaPr>
+                    <m:oMath xmlns:m="http://schemas.openxmlformats.org/officeDocument/2006/math">
+                      <m:sSub>
+                        <m:sSubPr>
+                          <m:ctrlPr>
+                            <a:rPr lang="en-US" b="0" i="1" smtClean="0">
+                              <a:latin typeface="Cambria Math" panose="02040503050406030204" pitchFamily="18" charset="0"/>
+                            </a:rPr>
+                          </m:ctrlPr>
+                        </m:sSubPr>
+                        <m:e>
+                          <m:r>
+                            <a:rPr lang="en-US" b="1" i="1" smtClean="0">
+                              <a:latin typeface="Cambria Math" panose="02040503050406030204" pitchFamily="18" charset="0"/>
+                            </a:rPr>
+                            <m:t>𝒂</m:t>
+                          </m:r>
+                        </m:e>
+                        <m:sub>
+                          <m:r>
+                            <a:rPr lang="en-US" b="0" i="1" smtClean="0">
+                              <a:latin typeface="Cambria Math" panose="02040503050406030204" pitchFamily="18" charset="0"/>
+                            </a:rPr>
+                            <m:t>𝑑</m:t>
+                          </m:r>
+                        </m:sub>
+                      </m:sSub>
+                    </m:oMath>
+                  </m:oMathPara>
+                </a14:m>
+                <a:endParaRPr lang="en-US" dirty="0"/>
+              </a:p>
+            </p:txBody>
+          </p:sp>
+        </mc:Choice>
+        <mc:Fallback>
+          <p:sp>
+            <p:nvSpPr>
+              <p:cNvPr id="31" name="TextBox 30">
+                <a:extLst>
+                  <a:ext uri="{FF2B5EF4-FFF2-40B4-BE49-F238E27FC236}">
+                    <a16:creationId xmlns:a16="http://schemas.microsoft.com/office/drawing/2014/main" id="{8B1B8C20-7EDD-4A45-8153-DC7726E2AA67}"/>
+                  </a:ext>
+                </a:extLst>
+              </p:cNvPr>
+              <p:cNvSpPr txBox="1">
+                <a:spLocks noRot="1" noChangeAspect="1" noMove="1" noResize="1" noEditPoints="1" noAdjustHandles="1" noChangeArrowheads="1" noChangeShapeType="1" noTextEdit="1"/>
+              </p:cNvSpPr>
+              <p:nvPr/>
+            </p:nvSpPr>
+            <p:spPr>
+              <a:xfrm>
+                <a:off x="10697709" y="4075460"/>
+                <a:ext cx="936071" cy="369332"/>
+              </a:xfrm>
+              <a:prstGeom prst="rect">
+                <a:avLst/>
+              </a:prstGeom>
+              <a:blipFill>
+                <a:blip r:embed="rId11"/>
+                <a:stretch>
+                  <a:fillRect/>
+                </a:stretch>
+              </a:blipFill>
+            </p:spPr>
+            <p:txBody>
+              <a:bodyPr/>
+              <a:lstStyle/>
+              <a:p>
+                <a:r>
+                  <a:rPr lang="en-US">
+                    <a:noFill/>
+                  </a:rPr>
+                  <a:t> </a:t>
+                </a:r>
+              </a:p>
+            </p:txBody>
+          </p:sp>
+        </mc:Fallback>
+      </mc:AlternateContent>
+      <mc:AlternateContent xmlns:mc="http://schemas.openxmlformats.org/markup-compatibility/2006">
+        <mc:Choice xmlns:a14="http://schemas.microsoft.com/office/drawing/2010/main" Requires="a14">
+          <p:sp>
+            <p:nvSpPr>
+              <p:cNvPr id="32" name="TextBox 31">
+                <a:extLst>
+                  <a:ext uri="{FF2B5EF4-FFF2-40B4-BE49-F238E27FC236}">
+                    <a16:creationId xmlns:a16="http://schemas.microsoft.com/office/drawing/2014/main" id="{D0753472-73CD-489A-8549-7F426788164F}"/>
+                  </a:ext>
+                </a:extLst>
+              </p:cNvPr>
+              <p:cNvSpPr txBox="1"/>
+              <p:nvPr/>
+            </p:nvSpPr>
+            <p:spPr>
+              <a:xfrm>
+                <a:off x="8888836" y="2603541"/>
+                <a:ext cx="936071" cy="369332"/>
+              </a:xfrm>
+              <a:prstGeom prst="rect">
+                <a:avLst/>
+              </a:prstGeom>
+              <a:noFill/>
+            </p:spPr>
+            <p:txBody>
+              <a:bodyPr wrap="square" rtlCol="0">
+                <a:spAutoFit/>
+              </a:bodyPr>
+              <a:lstStyle/>
+              <a:p>
+                <a14:m>
+                  <m:oMathPara xmlns:m="http://schemas.openxmlformats.org/officeDocument/2006/math">
+                    <m:oMathParaPr>
+                      <m:jc m:val="centerGroup"/>
+                    </m:oMathParaPr>
+                    <m:oMath xmlns:m="http://schemas.openxmlformats.org/officeDocument/2006/math">
+                      <m:sSub>
+                        <m:sSubPr>
+                          <m:ctrlPr>
+                            <a:rPr lang="en-US" b="0" i="1" smtClean="0">
+                              <a:latin typeface="Cambria Math" panose="02040503050406030204" pitchFamily="18" charset="0"/>
+                            </a:rPr>
+                          </m:ctrlPr>
+                        </m:sSubPr>
+                        <m:e>
+                          <m:r>
+                            <a:rPr lang="en-US" b="1" i="1" smtClean="0">
+                              <a:latin typeface="Cambria Math" panose="02040503050406030204" pitchFamily="18" charset="0"/>
+                            </a:rPr>
+                            <m:t>𝑨</m:t>
+                          </m:r>
+                        </m:e>
+                        <m:sub>
+                          <m:r>
+                            <a:rPr lang="en-US" b="0" i="1" smtClean="0">
+                              <a:latin typeface="Cambria Math" panose="02040503050406030204" pitchFamily="18" charset="0"/>
+                            </a:rPr>
+                            <m:t>𝑟</m:t>
+                          </m:r>
+                        </m:sub>
+                      </m:sSub>
+                    </m:oMath>
+                  </m:oMathPara>
+                </a14:m>
+                <a:endParaRPr lang="en-US" dirty="0"/>
+              </a:p>
+            </p:txBody>
+          </p:sp>
+        </mc:Choice>
+        <mc:Fallback>
+          <p:sp>
+            <p:nvSpPr>
+              <p:cNvPr id="32" name="TextBox 31">
+                <a:extLst>
+                  <a:ext uri="{FF2B5EF4-FFF2-40B4-BE49-F238E27FC236}">
+                    <a16:creationId xmlns:a16="http://schemas.microsoft.com/office/drawing/2014/main" id="{D0753472-73CD-489A-8549-7F426788164F}"/>
+                  </a:ext>
+                </a:extLst>
+              </p:cNvPr>
+              <p:cNvSpPr txBox="1">
+                <a:spLocks noRot="1" noChangeAspect="1" noMove="1" noResize="1" noEditPoints="1" noAdjustHandles="1" noChangeArrowheads="1" noChangeShapeType="1" noTextEdit="1"/>
+              </p:cNvSpPr>
+              <p:nvPr/>
+            </p:nvSpPr>
+            <p:spPr>
+              <a:xfrm>
+                <a:off x="8888836" y="2603541"/>
+                <a:ext cx="936071" cy="369332"/>
+              </a:xfrm>
+              <a:prstGeom prst="rect">
+                <a:avLst/>
+              </a:prstGeom>
+              <a:blipFill>
+                <a:blip r:embed="rId12"/>
+                <a:stretch>
+                  <a:fillRect/>
+                </a:stretch>
+              </a:blipFill>
+            </p:spPr>
+            <p:txBody>
+              <a:bodyPr/>
+              <a:lstStyle/>
+              <a:p>
+                <a:r>
+                  <a:rPr lang="en-US">
+                    <a:noFill/>
+                  </a:rPr>
+                  <a:t> </a:t>
+                </a:r>
+              </a:p>
+            </p:txBody>
+          </p:sp>
+        </mc:Fallback>
+      </mc:AlternateContent>
+      <mc:AlternateContent xmlns:mc="http://schemas.openxmlformats.org/markup-compatibility/2006">
+        <mc:Choice xmlns:a14="http://schemas.microsoft.com/office/drawing/2010/main" Requires="a14">
+          <p:sp>
+            <p:nvSpPr>
+              <p:cNvPr id="33" name="TextBox 32">
+                <a:extLst>
+                  <a:ext uri="{FF2B5EF4-FFF2-40B4-BE49-F238E27FC236}">
+                    <a16:creationId xmlns:a16="http://schemas.microsoft.com/office/drawing/2014/main" id="{6BD2A9FE-1E2B-45CF-8B7B-8031EBFAFD23}"/>
+                  </a:ext>
+                </a:extLst>
+              </p:cNvPr>
+              <p:cNvSpPr txBox="1"/>
+              <p:nvPr/>
+            </p:nvSpPr>
+            <p:spPr>
+              <a:xfrm>
+                <a:off x="6966357" y="2253586"/>
+                <a:ext cx="936071" cy="369332"/>
+              </a:xfrm>
+              <a:prstGeom prst="rect">
+                <a:avLst/>
+              </a:prstGeom>
+              <a:noFill/>
+            </p:spPr>
+            <p:txBody>
+              <a:bodyPr wrap="square" rtlCol="0">
+                <a:spAutoFit/>
+              </a:bodyPr>
+              <a:lstStyle/>
+              <a:p>
+                <a14:m>
+                  <m:oMathPara xmlns:m="http://schemas.openxmlformats.org/officeDocument/2006/math">
+                    <m:oMathParaPr>
+                      <m:jc m:val="centerGroup"/>
+                    </m:oMathParaPr>
+                    <m:oMath xmlns:m="http://schemas.openxmlformats.org/officeDocument/2006/math">
+                      <m:sSub>
+                        <m:sSubPr>
+                          <m:ctrlPr>
+                            <a:rPr lang="en-US" b="0" i="1" smtClean="0">
+                              <a:latin typeface="Cambria Math" panose="02040503050406030204" pitchFamily="18" charset="0"/>
+                            </a:rPr>
+                          </m:ctrlPr>
+                        </m:sSubPr>
+                        <m:e>
+                          <m:sSub>
+                            <m:sSubPr>
+                              <m:ctrlPr>
+                                <a:rPr lang="en-US" b="0" i="1" smtClean="0">
+                                  <a:latin typeface="Cambria Math" panose="02040503050406030204" pitchFamily="18" charset="0"/>
+                                </a:rPr>
+                              </m:ctrlPr>
+                            </m:sSubPr>
+                            <m:e>
+                              <m:r>
+                                <a:rPr lang="en-US" b="0" i="1" smtClean="0">
+                                  <a:latin typeface="Cambria Math" panose="02040503050406030204" pitchFamily="18" charset="0"/>
+                                </a:rPr>
+                                <m:t>𝑝</m:t>
+                              </m:r>
+                            </m:e>
+                            <m:sub>
+                              <m:r>
+                                <a:rPr lang="en-US" b="0" i="1" smtClean="0">
+                                  <a:latin typeface="Cambria Math" panose="02040503050406030204" pitchFamily="18" charset="0"/>
+                                </a:rPr>
+                                <m:t>𝑟</m:t>
+                              </m:r>
+                            </m:sub>
+                          </m:sSub>
+                          <m:r>
+                            <a:rPr lang="en-US" b="1" i="1" smtClean="0">
+                              <a:latin typeface="Cambria Math" panose="02040503050406030204" pitchFamily="18" charset="0"/>
+                            </a:rPr>
+                            <m:t>𝒂</m:t>
+                          </m:r>
+                        </m:e>
+                        <m:sub>
+                          <m:r>
+                            <a:rPr lang="en-US" b="0" i="1" smtClean="0">
+                              <a:latin typeface="Cambria Math" panose="02040503050406030204" pitchFamily="18" charset="0"/>
+                            </a:rPr>
+                            <m:t>𝑒</m:t>
+                          </m:r>
+                        </m:sub>
+                      </m:sSub>
+                      <m:sSub>
+                        <m:sSubPr>
+                          <m:ctrlPr>
+                            <a:rPr lang="en-US" b="0" i="1" smtClean="0">
+                              <a:latin typeface="Cambria Math" panose="02040503050406030204" pitchFamily="18" charset="0"/>
+                            </a:rPr>
+                          </m:ctrlPr>
+                        </m:sSubPr>
+                        <m:e>
+                          <m:r>
+                            <a:rPr lang="en-US" b="1" i="1" smtClean="0">
+                              <a:latin typeface="Cambria Math" panose="02040503050406030204" pitchFamily="18" charset="0"/>
+                            </a:rPr>
+                            <m:t>𝜶</m:t>
+                          </m:r>
+                        </m:e>
+                        <m:sub>
+                          <m:r>
+                            <a:rPr lang="en-US" b="0" i="1" smtClean="0">
+                              <a:latin typeface="Cambria Math" panose="02040503050406030204" pitchFamily="18" charset="0"/>
+                            </a:rPr>
+                            <m:t>𝑟</m:t>
+                          </m:r>
+                        </m:sub>
+                      </m:sSub>
+                    </m:oMath>
+                  </m:oMathPara>
+                </a14:m>
+                <a:endParaRPr lang="en-US" dirty="0"/>
+              </a:p>
+            </p:txBody>
+          </p:sp>
+        </mc:Choice>
+        <mc:Fallback>
+          <p:sp>
+            <p:nvSpPr>
+              <p:cNvPr id="33" name="TextBox 32">
+                <a:extLst>
+                  <a:ext uri="{FF2B5EF4-FFF2-40B4-BE49-F238E27FC236}">
+                    <a16:creationId xmlns:a16="http://schemas.microsoft.com/office/drawing/2014/main" id="{6BD2A9FE-1E2B-45CF-8B7B-8031EBFAFD23}"/>
+                  </a:ext>
+                </a:extLst>
+              </p:cNvPr>
+              <p:cNvSpPr txBox="1">
+                <a:spLocks noRot="1" noChangeAspect="1" noMove="1" noResize="1" noEditPoints="1" noAdjustHandles="1" noChangeArrowheads="1" noChangeShapeType="1" noTextEdit="1"/>
+              </p:cNvSpPr>
+              <p:nvPr/>
+            </p:nvSpPr>
+            <p:spPr>
+              <a:xfrm>
+                <a:off x="6966357" y="2253586"/>
+                <a:ext cx="936071" cy="369332"/>
+              </a:xfrm>
+              <a:prstGeom prst="rect">
+                <a:avLst/>
+              </a:prstGeom>
+              <a:blipFill>
+                <a:blip r:embed="rId13"/>
+                <a:stretch>
+                  <a:fillRect b="-6667"/>
+                </a:stretch>
+              </a:blipFill>
+            </p:spPr>
+            <p:txBody>
+              <a:bodyPr/>
+              <a:lstStyle/>
+              <a:p>
+                <a:r>
+                  <a:rPr lang="en-US">
+                    <a:noFill/>
+                  </a:rPr>
+                  <a:t> </a:t>
+                </a:r>
+              </a:p>
+            </p:txBody>
+          </p:sp>
+        </mc:Fallback>
+      </mc:AlternateContent>
+      <mc:AlternateContent xmlns:mc="http://schemas.openxmlformats.org/markup-compatibility/2006">
+        <mc:Choice xmlns:a14="http://schemas.microsoft.com/office/drawing/2010/main" Requires="a14">
+          <p:sp>
+            <p:nvSpPr>
+              <p:cNvPr id="34" name="TextBox 33">
+                <a:extLst>
+                  <a:ext uri="{FF2B5EF4-FFF2-40B4-BE49-F238E27FC236}">
+                    <a16:creationId xmlns:a16="http://schemas.microsoft.com/office/drawing/2014/main" id="{9A8016E7-E8F3-4526-886F-A7E3368ACB46}"/>
+                  </a:ext>
+                </a:extLst>
+              </p:cNvPr>
+              <p:cNvSpPr txBox="1"/>
+              <p:nvPr/>
+            </p:nvSpPr>
+            <p:spPr>
+              <a:xfrm>
+                <a:off x="6966357" y="4285163"/>
+                <a:ext cx="936071" cy="369332"/>
+              </a:xfrm>
+              <a:prstGeom prst="rect">
+                <a:avLst/>
+              </a:prstGeom>
+              <a:noFill/>
+            </p:spPr>
+            <p:txBody>
+              <a:bodyPr wrap="square" rtlCol="0">
+                <a:spAutoFit/>
+              </a:bodyPr>
+              <a:lstStyle/>
+              <a:p>
+                <a14:m>
+                  <m:oMathPara xmlns:m="http://schemas.openxmlformats.org/officeDocument/2006/math">
+                    <m:oMathParaPr>
+                      <m:jc m:val="centerGroup"/>
+                    </m:oMathParaPr>
+                    <m:oMath xmlns:m="http://schemas.openxmlformats.org/officeDocument/2006/math">
+                      <m:sSub>
+                        <m:sSubPr>
+                          <m:ctrlPr>
+                            <a:rPr lang="en-US" b="0" i="1" smtClean="0">
+                              <a:latin typeface="Cambria Math" panose="02040503050406030204" pitchFamily="18" charset="0"/>
+                            </a:rPr>
+                          </m:ctrlPr>
+                        </m:sSubPr>
+                        <m:e>
+                          <m:sSub>
+                            <m:sSubPr>
+                              <m:ctrlPr>
+                                <a:rPr lang="en-US" b="0" i="1" smtClean="0">
+                                  <a:latin typeface="Cambria Math" panose="02040503050406030204" pitchFamily="18" charset="0"/>
+                                </a:rPr>
+                              </m:ctrlPr>
+                            </m:sSubPr>
+                            <m:e>
+                              <m:r>
+                                <a:rPr lang="en-US" b="0" i="1" smtClean="0">
+                                  <a:latin typeface="Cambria Math" panose="02040503050406030204" pitchFamily="18" charset="0"/>
+                                </a:rPr>
+                                <m:t>𝑝</m:t>
+                              </m:r>
+                            </m:e>
+                            <m:sub>
+                              <m:r>
+                                <a:rPr lang="en-US" b="0" i="1" smtClean="0">
+                                  <a:latin typeface="Cambria Math" panose="02040503050406030204" pitchFamily="18" charset="0"/>
+                                </a:rPr>
+                                <m:t>𝑑</m:t>
+                              </m:r>
+                            </m:sub>
+                          </m:sSub>
+                          <m:r>
+                            <a:rPr lang="en-US" b="1" i="1" smtClean="0">
+                              <a:latin typeface="Cambria Math" panose="02040503050406030204" pitchFamily="18" charset="0"/>
+                            </a:rPr>
+                            <m:t>𝒂</m:t>
+                          </m:r>
+                        </m:e>
+                        <m:sub>
+                          <m:r>
+                            <a:rPr lang="en-US" b="0" i="1" smtClean="0">
+                              <a:latin typeface="Cambria Math" panose="02040503050406030204" pitchFamily="18" charset="0"/>
+                            </a:rPr>
+                            <m:t>𝑒</m:t>
+                          </m:r>
+                        </m:sub>
+                      </m:sSub>
+                      <m:sSub>
+                        <m:sSubPr>
+                          <m:ctrlPr>
+                            <a:rPr lang="en-US" b="0" i="1" smtClean="0">
+                              <a:latin typeface="Cambria Math" panose="02040503050406030204" pitchFamily="18" charset="0"/>
+                            </a:rPr>
+                          </m:ctrlPr>
+                        </m:sSubPr>
+                        <m:e>
+                          <m:r>
+                            <a:rPr lang="en-US" b="1" i="1" smtClean="0">
+                              <a:latin typeface="Cambria Math" panose="02040503050406030204" pitchFamily="18" charset="0"/>
+                            </a:rPr>
+                            <m:t>𝜶</m:t>
+                          </m:r>
+                        </m:e>
+                        <m:sub>
+                          <m:r>
+                            <a:rPr lang="en-US" b="0" i="1" smtClean="0">
+                              <a:latin typeface="Cambria Math" panose="02040503050406030204" pitchFamily="18" charset="0"/>
+                            </a:rPr>
+                            <m:t>𝑑</m:t>
+                          </m:r>
+                        </m:sub>
+                      </m:sSub>
+                    </m:oMath>
+                  </m:oMathPara>
+                </a14:m>
+                <a:endParaRPr lang="en-US" dirty="0"/>
+              </a:p>
+            </p:txBody>
+          </p:sp>
+        </mc:Choice>
+        <mc:Fallback>
+          <p:sp>
+            <p:nvSpPr>
+              <p:cNvPr id="34" name="TextBox 33">
+                <a:extLst>
+                  <a:ext uri="{FF2B5EF4-FFF2-40B4-BE49-F238E27FC236}">
+                    <a16:creationId xmlns:a16="http://schemas.microsoft.com/office/drawing/2014/main" id="{9A8016E7-E8F3-4526-886F-A7E3368ACB46}"/>
+                  </a:ext>
+                </a:extLst>
+              </p:cNvPr>
+              <p:cNvSpPr txBox="1">
+                <a:spLocks noRot="1" noChangeAspect="1" noMove="1" noResize="1" noEditPoints="1" noAdjustHandles="1" noChangeArrowheads="1" noChangeShapeType="1" noTextEdit="1"/>
+              </p:cNvSpPr>
+              <p:nvPr/>
+            </p:nvSpPr>
+            <p:spPr>
+              <a:xfrm>
+                <a:off x="6966357" y="4285163"/>
+                <a:ext cx="936071" cy="369332"/>
+              </a:xfrm>
+              <a:prstGeom prst="rect">
+                <a:avLst/>
+              </a:prstGeom>
+              <a:blipFill>
+                <a:blip r:embed="rId14"/>
+                <a:stretch>
+                  <a:fillRect b="-4918"/>
+                </a:stretch>
+              </a:blipFill>
+            </p:spPr>
+            <p:txBody>
+              <a:bodyPr/>
+              <a:lstStyle/>
+              <a:p>
+                <a:r>
+                  <a:rPr lang="en-US">
+                    <a:noFill/>
+                  </a:rPr>
+                  <a:t> </a:t>
+                </a:r>
+              </a:p>
+            </p:txBody>
+          </p:sp>
+        </mc:Fallback>
+      </mc:AlternateContent>
+      <p:cxnSp>
+        <p:nvCxnSpPr>
+          <p:cNvPr id="39" name="Straight Connector 38">
+            <a:extLst>
+              <a:ext uri="{FF2B5EF4-FFF2-40B4-BE49-F238E27FC236}">
+                <a16:creationId xmlns:a16="http://schemas.microsoft.com/office/drawing/2014/main" id="{0BAD4261-BE18-4724-AAAD-59DA07C59EC2}"/>
+              </a:ext>
+            </a:extLst>
+          </p:cNvPr>
+          <p:cNvCxnSpPr/>
+          <p:nvPr/>
+        </p:nvCxnSpPr>
+        <p:spPr>
+          <a:xfrm flipH="1">
+            <a:off x="4217915" y="1504317"/>
+            <a:ext cx="3684513" cy="0"/>
+          </a:xfrm>
+          <a:prstGeom prst="line">
+            <a:avLst/>
+          </a:prstGeom>
+          <a:ln>
+            <a:solidFill>
+              <a:srgbClr val="002060"/>
+            </a:solidFill>
+            <a:prstDash val="dash"/>
+            <a:headEnd type="none" w="med" len="med"/>
+            <a:tailEnd type="none" w="med" len="med"/>
+          </a:ln>
+        </p:spPr>
+        <p:style>
+          <a:lnRef idx="3">
+            <a:schemeClr val="accent5"/>
+          </a:lnRef>
+          <a:fillRef idx="0">
+            <a:schemeClr val="accent5"/>
+          </a:fillRef>
+          <a:effectRef idx="2">
+            <a:schemeClr val="accent5"/>
+          </a:effectRef>
+          <a:fontRef idx="minor">
+            <a:schemeClr val="tx1"/>
+          </a:fontRef>
+        </p:style>
+      </p:cxnSp>
+      <p:cxnSp>
+        <p:nvCxnSpPr>
+          <p:cNvPr id="41" name="Straight Arrow Connector 40">
+            <a:extLst>
+              <a:ext uri="{FF2B5EF4-FFF2-40B4-BE49-F238E27FC236}">
+                <a16:creationId xmlns:a16="http://schemas.microsoft.com/office/drawing/2014/main" id="{7C6EC847-28FA-4693-B3D2-7EBEC2FA49D1}"/>
+              </a:ext>
+            </a:extLst>
+          </p:cNvPr>
+          <p:cNvCxnSpPr>
+            <a:cxnSpLocks/>
+          </p:cNvCxnSpPr>
+          <p:nvPr/>
+        </p:nvCxnSpPr>
+        <p:spPr>
+          <a:xfrm>
+            <a:off x="4207079" y="1504317"/>
+            <a:ext cx="0" cy="1318000"/>
+          </a:xfrm>
+          <a:prstGeom prst="straightConnector1">
+            <a:avLst/>
+          </a:prstGeom>
+          <a:ln>
+            <a:solidFill>
+              <a:srgbClr val="002060"/>
+            </a:solidFill>
+            <a:prstDash val="dash"/>
+            <a:tailEnd type="triangle"/>
+          </a:ln>
+        </p:spPr>
+        <p:style>
+          <a:lnRef idx="3">
+            <a:schemeClr val="accent5"/>
+          </a:lnRef>
+          <a:fillRef idx="0">
+            <a:schemeClr val="accent5"/>
+          </a:fillRef>
+          <a:effectRef idx="2">
+            <a:schemeClr val="accent5"/>
+          </a:effectRef>
+          <a:fontRef idx="minor">
+            <a:schemeClr val="tx1"/>
+          </a:fontRef>
+        </p:style>
+      </p:cxnSp>
+    </p:spTree>
+    <p:extLst>
+      <p:ext uri="{BB962C8B-B14F-4D97-AF65-F5344CB8AC3E}">
+        <p14:creationId xmlns:p14="http://schemas.microsoft.com/office/powerpoint/2010/main" val="1788199450"/>
       </p:ext>
     </p:extLst>
   </p:cSld>
